--- a/SearchLecture.pptx
+++ b/SearchLecture.pptx
@@ -8,8 +8,8 @@
     <p:sldId id="256" r:id="rId2"/>
     <p:sldId id="257" r:id="rId3"/>
     <p:sldId id="258" r:id="rId4"/>
-    <p:sldId id="259" r:id="rId5"/>
-    <p:sldId id="260" r:id="rId6"/>
+    <p:sldId id="260" r:id="rId5"/>
+    <p:sldId id="259" r:id="rId6"/>
     <p:sldId id="263" r:id="rId7"/>
     <p:sldId id="262" r:id="rId8"/>
     <p:sldId id="264" r:id="rId9"/>
@@ -21,18 +21,19 @@
     <p:sldId id="271" r:id="rId15"/>
     <p:sldId id="272" r:id="rId16"/>
     <p:sldId id="274" r:id="rId17"/>
-    <p:sldId id="273" r:id="rId18"/>
-    <p:sldId id="275" r:id="rId19"/>
-    <p:sldId id="276" r:id="rId20"/>
-    <p:sldId id="277" r:id="rId21"/>
-    <p:sldId id="278" r:id="rId22"/>
-    <p:sldId id="281" r:id="rId23"/>
-    <p:sldId id="283" r:id="rId24"/>
-    <p:sldId id="287" r:id="rId25"/>
-    <p:sldId id="288" r:id="rId26"/>
-    <p:sldId id="282" r:id="rId27"/>
-    <p:sldId id="284" r:id="rId28"/>
-    <p:sldId id="285" r:id="rId29"/>
+    <p:sldId id="290" r:id="rId18"/>
+    <p:sldId id="273" r:id="rId19"/>
+    <p:sldId id="275" r:id="rId20"/>
+    <p:sldId id="276" r:id="rId21"/>
+    <p:sldId id="277" r:id="rId22"/>
+    <p:sldId id="278" r:id="rId23"/>
+    <p:sldId id="281" r:id="rId24"/>
+    <p:sldId id="283" r:id="rId25"/>
+    <p:sldId id="289" r:id="rId26"/>
+    <p:sldId id="288" r:id="rId27"/>
+    <p:sldId id="282" r:id="rId28"/>
+    <p:sldId id="284" r:id="rId29"/>
+    <p:sldId id="285" r:id="rId30"/>
   </p:sldIdLst>
   <p:sldSz cx="12192000" cy="6858000"/>
   <p:notesSz cx="6858000" cy="9144000"/>
@@ -5782,14 +5783,14 @@
   <p:clrMapOvr>
     <a:masterClrMapping/>
   </p:clrMapOvr>
-  <mc:AlternateContent xmlns:mc="http://schemas.openxmlformats.org/markup-compatibility/2006" xmlns:p159="http://schemas.microsoft.com/office/powerpoint/2015/09/main">
-    <mc:Choice Requires="p159">
-      <p:transition xmlns:p14="http://schemas.microsoft.com/office/powerpoint/2010/main" spd="slow" p14:dur="2000">
+  <mc:AlternateContent xmlns:mc="http://schemas.openxmlformats.org/markup-compatibility/2006">
+    <mc:Choice xmlns:p159="http://schemas.microsoft.com/office/powerpoint/2015/09/main" Requires="p159">
+      <p:transition>
         <p159:morph option="byObject"/>
       </p:transition>
     </mc:Choice>
-    <mc:Fallback xmlns="">
-      <p:transition spd="slow">
+    <mc:Fallback>
+      <p:transition>
         <p:fade/>
       </p:transition>
     </mc:Fallback>
@@ -7005,14 +7006,14 @@
   <p:clrMapOvr>
     <a:masterClrMapping/>
   </p:clrMapOvr>
-  <mc:AlternateContent xmlns:mc="http://schemas.openxmlformats.org/markup-compatibility/2006" xmlns:p159="http://schemas.microsoft.com/office/powerpoint/2015/09/main">
-    <mc:Choice Requires="p159">
-      <p:transition xmlns:p14="http://schemas.microsoft.com/office/powerpoint/2010/main" spd="slow" p14:dur="2000">
+  <mc:AlternateContent xmlns:mc="http://schemas.openxmlformats.org/markup-compatibility/2006">
+    <mc:Choice xmlns:p159="http://schemas.microsoft.com/office/powerpoint/2015/09/main" Requires="p159">
+      <p:transition>
         <p159:morph option="byObject"/>
       </p:transition>
     </mc:Choice>
-    <mc:Fallback xmlns="">
-      <p:transition spd="slow">
+    <mc:Fallback>
+      <p:transition>
         <p:fade/>
       </p:transition>
     </mc:Fallback>
@@ -7104,7 +7105,7 @@
         </p:nvSpPr>
         <p:spPr>
           <a:xfrm>
-            <a:off x="1652315" y="6123543"/>
+            <a:off x="1652315" y="1456293"/>
             <a:ext cx="8887369" cy="369332"/>
           </a:xfrm>
           <a:prstGeom prst="rect">
@@ -9413,110 +9414,6 @@
           </a:p>
         </p:txBody>
       </p:sp>
-      <p:sp>
-        <p:nvSpPr>
-          <p:cNvPr id="4" name="Arrow: Up 3">
-            <a:extLst>
-              <a:ext uri="{FF2B5EF4-FFF2-40B4-BE49-F238E27FC236}">
-                <a16:creationId xmlns:a16="http://schemas.microsoft.com/office/drawing/2014/main" id="{068BF4FD-6903-4E5E-7F32-4396830E371D}"/>
-              </a:ext>
-            </a:extLst>
-          </p:cNvPr>
-          <p:cNvSpPr/>
-          <p:nvPr/>
-        </p:nvSpPr>
-        <p:spPr>
-          <a:xfrm>
-            <a:off x="8993416" y="5221050"/>
-            <a:ext cx="1276314" cy="836850"/>
-          </a:xfrm>
-          <a:prstGeom prst="upArrow">
-            <a:avLst>
-              <a:gd name="adj1" fmla="val 56531"/>
-              <a:gd name="adj2" fmla="val 50833"/>
-            </a:avLst>
-          </a:prstGeom>
-        </p:spPr>
-        <p:style>
-          <a:lnRef idx="2">
-            <a:schemeClr val="accent2">
-              <a:shade val="15000"/>
-            </a:schemeClr>
-          </a:lnRef>
-          <a:fillRef idx="1">
-            <a:schemeClr val="accent2"/>
-          </a:fillRef>
-          <a:effectRef idx="0">
-            <a:schemeClr val="accent2"/>
-          </a:effectRef>
-          <a:fontRef idx="minor">
-            <a:schemeClr val="lt1"/>
-          </a:fontRef>
-        </p:style>
-        <p:txBody>
-          <a:bodyPr rtlCol="0" anchor="ctr"/>
-          <a:lstStyle/>
-          <a:p>
-            <a:pPr algn="ctr"/>
-            <a:r>
-              <a:rPr lang="en-US" dirty="0"/>
-              <a:t>MAX</a:t>
-            </a:r>
-          </a:p>
-        </p:txBody>
-      </p:sp>
-      <p:sp>
-        <p:nvSpPr>
-          <p:cNvPr id="5" name="Arrow: Up 4">
-            <a:extLst>
-              <a:ext uri="{FF2B5EF4-FFF2-40B4-BE49-F238E27FC236}">
-                <a16:creationId xmlns:a16="http://schemas.microsoft.com/office/drawing/2014/main" id="{C072E1EE-1D7F-EEE9-A4FA-10BB5704FB4A}"/>
-              </a:ext>
-            </a:extLst>
-          </p:cNvPr>
-          <p:cNvSpPr/>
-          <p:nvPr/>
-        </p:nvSpPr>
-        <p:spPr>
-          <a:xfrm>
-            <a:off x="1952643" y="5221050"/>
-            <a:ext cx="1276314" cy="836850"/>
-          </a:xfrm>
-          <a:prstGeom prst="upArrow">
-            <a:avLst>
-              <a:gd name="adj1" fmla="val 56531"/>
-              <a:gd name="adj2" fmla="val 50833"/>
-            </a:avLst>
-          </a:prstGeom>
-        </p:spPr>
-        <p:style>
-          <a:lnRef idx="2">
-            <a:schemeClr val="accent2">
-              <a:shade val="15000"/>
-            </a:schemeClr>
-          </a:lnRef>
-          <a:fillRef idx="1">
-            <a:schemeClr val="accent2"/>
-          </a:fillRef>
-          <a:effectRef idx="0">
-            <a:schemeClr val="accent2"/>
-          </a:effectRef>
-          <a:fontRef idx="minor">
-            <a:schemeClr val="lt1"/>
-          </a:fontRef>
-        </p:style>
-        <p:txBody>
-          <a:bodyPr rtlCol="0" anchor="ctr"/>
-          <a:lstStyle/>
-          <a:p>
-            <a:pPr algn="ctr"/>
-            <a:r>
-              <a:rPr lang="en-US" dirty="0"/>
-              <a:t>MIN</a:t>
-            </a:r>
-          </a:p>
-        </p:txBody>
-      </p:sp>
     </p:spTree>
     <p:extLst>
       <p:ext uri="{BB962C8B-B14F-4D97-AF65-F5344CB8AC3E}">
@@ -9527,18 +9424,6 @@
   <p:clrMapOvr>
     <a:masterClrMapping/>
   </p:clrMapOvr>
-  <mc:AlternateContent xmlns:mc="http://schemas.openxmlformats.org/markup-compatibility/2006" xmlns:p159="http://schemas.microsoft.com/office/powerpoint/2015/09/main">
-    <mc:Choice Requires="p159">
-      <p:transition xmlns:p14="http://schemas.microsoft.com/office/powerpoint/2010/main" spd="slow" p14:dur="2000">
-        <p159:morph option="byObject"/>
-      </p:transition>
-    </mc:Choice>
-    <mc:Fallback xmlns="">
-      <p:transition spd="slow">
-        <p:fade/>
-      </p:transition>
-    </mc:Fallback>
-  </mc:AlternateContent>
 </p:sld>
 </file>
 
@@ -9611,61 +9496,6 @@
       </p:sp>
       <p:sp>
         <p:nvSpPr>
-          <p:cNvPr id="7" name="Rectangle 6">
-            <a:extLst>
-              <a:ext uri="{FF2B5EF4-FFF2-40B4-BE49-F238E27FC236}">
-                <a16:creationId xmlns:a16="http://schemas.microsoft.com/office/drawing/2014/main" id="{1D70EF91-D5A4-174C-C8F6-4AE3AD6A1ECA}"/>
-              </a:ext>
-            </a:extLst>
-          </p:cNvPr>
-          <p:cNvSpPr/>
-          <p:nvPr/>
-        </p:nvSpPr>
-        <p:spPr>
-          <a:xfrm>
-            <a:off x="5055419" y="3429000"/>
-            <a:ext cx="1079678" cy="1804750"/>
-          </a:xfrm>
-          <a:prstGeom prst="rect">
-            <a:avLst/>
-          </a:prstGeom>
-          <a:solidFill>
-            <a:schemeClr val="accent4">
-              <a:lumMod val="40000"/>
-              <a:lumOff val="60000"/>
-            </a:schemeClr>
-          </a:solidFill>
-        </p:spPr>
-        <p:style>
-          <a:lnRef idx="2">
-            <a:schemeClr val="accent3">
-              <a:shade val="15000"/>
-            </a:schemeClr>
-          </a:lnRef>
-          <a:fillRef idx="1">
-            <a:schemeClr val="accent3"/>
-          </a:fillRef>
-          <a:effectRef idx="0">
-            <a:schemeClr val="accent3"/>
-          </a:effectRef>
-          <a:fontRef idx="minor">
-            <a:schemeClr val="lt1"/>
-          </a:fontRef>
-        </p:style>
-        <p:txBody>
-          <a:bodyPr rtlCol="0" anchor="t"/>
-          <a:lstStyle/>
-          <a:p>
-            <a:pPr algn="ctr"/>
-            <a:r>
-              <a:rPr lang="en-US" dirty="0"/>
-              <a:t>17   ??  21</a:t>
-            </a:r>
-          </a:p>
-        </p:txBody>
-      </p:sp>
-      <p:sp>
-        <p:nvSpPr>
           <p:cNvPr id="2" name="Title 1">
             <a:extLst>
               <a:ext uri="{FF2B5EF4-FFF2-40B4-BE49-F238E27FC236}">
@@ -10532,7 +10362,7 @@
             <a:pPr algn="ctr"/>
             <a:r>
               <a:rPr lang="en-US" dirty="0"/>
-              <a:t>MAX</a:t>
+              <a:t>HI</a:t>
             </a:r>
           </a:p>
         </p:txBody>
@@ -10584,100 +10414,7 @@
             <a:pPr algn="ctr"/>
             <a:r>
               <a:rPr lang="en-US" dirty="0"/>
-              <a:t>MIN</a:t>
-            </a:r>
-          </a:p>
-        </p:txBody>
-      </p:sp>
-      <p:sp>
-        <p:nvSpPr>
-          <p:cNvPr id="6" name="Arrow: Up 5">
-            <a:extLst>
-              <a:ext uri="{FF2B5EF4-FFF2-40B4-BE49-F238E27FC236}">
-                <a16:creationId xmlns:a16="http://schemas.microsoft.com/office/drawing/2014/main" id="{1AF8EEDB-8BCC-0256-5D09-315BB43849C0}"/>
-              </a:ext>
-            </a:extLst>
-          </p:cNvPr>
-          <p:cNvSpPr/>
-          <p:nvPr/>
-        </p:nvSpPr>
-        <p:spPr>
-          <a:xfrm>
-            <a:off x="4943476" y="5221050"/>
-            <a:ext cx="1276314" cy="836850"/>
-          </a:xfrm>
-          <a:prstGeom prst="upArrow">
-            <a:avLst>
-              <a:gd name="adj1" fmla="val 56531"/>
-              <a:gd name="adj2" fmla="val 50833"/>
-            </a:avLst>
-          </a:prstGeom>
-        </p:spPr>
-        <p:style>
-          <a:lnRef idx="2">
-            <a:schemeClr val="accent6">
-              <a:shade val="15000"/>
-            </a:schemeClr>
-          </a:lnRef>
-          <a:fillRef idx="1">
-            <a:schemeClr val="accent6"/>
-          </a:fillRef>
-          <a:effectRef idx="0">
-            <a:schemeClr val="accent6"/>
-          </a:effectRef>
-          <a:fontRef idx="minor">
-            <a:schemeClr val="lt1"/>
-          </a:fontRef>
-        </p:style>
-        <p:txBody>
-          <a:bodyPr rtlCol="0" anchor="ctr"/>
-          <a:lstStyle/>
-          <a:p>
-            <a:pPr algn="ctr"/>
-            <a:r>
-              <a:rPr lang="en-US" dirty="0"/>
-              <a:t>CUR</a:t>
-            </a:r>
-          </a:p>
-        </p:txBody>
-      </p:sp>
-      <p:sp>
-        <p:nvSpPr>
-          <p:cNvPr id="8" name="TextBox 7">
-            <a:extLst>
-              <a:ext uri="{FF2B5EF4-FFF2-40B4-BE49-F238E27FC236}">
-                <a16:creationId xmlns:a16="http://schemas.microsoft.com/office/drawing/2014/main" id="{A46989AF-2837-6467-DB0A-0C9655586C74}"/>
-              </a:ext>
-            </a:extLst>
-          </p:cNvPr>
-          <p:cNvSpPr txBox="1"/>
-          <p:nvPr/>
-        </p:nvSpPr>
-        <p:spPr>
-          <a:xfrm>
-            <a:off x="4593772" y="6057900"/>
-            <a:ext cx="2037737" cy="646331"/>
-          </a:xfrm>
-          <a:prstGeom prst="rect">
-            <a:avLst/>
-          </a:prstGeom>
-          <a:noFill/>
-        </p:spPr>
-        <p:txBody>
-          <a:bodyPr wrap="none" rtlCol="0">
-            <a:spAutoFit/>
-          </a:bodyPr>
-          <a:lstStyle/>
-          <a:p>
-            <a:r>
-              <a:rPr lang="en-US" dirty="0"/>
-              <a:t>(halfway between</a:t>
-            </a:r>
-          </a:p>
-          <a:p>
-            <a:r>
-              <a:rPr lang="en-US" dirty="0"/>
-              <a:t>MAX and MIN)</a:t>
+              <a:t>LO</a:t>
             </a:r>
           </a:p>
         </p:txBody>
@@ -10685,25 +10422,13 @@
     </p:spTree>
     <p:extLst>
       <p:ext uri="{BB962C8B-B14F-4D97-AF65-F5344CB8AC3E}">
-        <p14:creationId xmlns:p14="http://schemas.microsoft.com/office/powerpoint/2010/main" val="2346310976"/>
+        <p14:creationId xmlns:p14="http://schemas.microsoft.com/office/powerpoint/2010/main" val="456830788"/>
       </p:ext>
     </p:extLst>
   </p:cSld>
   <p:clrMapOvr>
     <a:masterClrMapping/>
   </p:clrMapOvr>
-  <mc:AlternateContent xmlns:mc="http://schemas.openxmlformats.org/markup-compatibility/2006" xmlns:p159="http://schemas.microsoft.com/office/powerpoint/2015/09/main">
-    <mc:Choice Requires="p159">
-      <p:transition xmlns:p14="http://schemas.microsoft.com/office/powerpoint/2010/main" spd="slow" p14:dur="2000">
-        <p159:morph option="byObject"/>
-      </p:transition>
-    </mc:Choice>
-    <mc:Fallback xmlns="">
-      <p:transition spd="slow">
-        <p:fade/>
-      </p:transition>
-    </mc:Fallback>
-  </mc:AlternateContent>
 </p:sld>
 </file>
 
@@ -10824,7 +10549,7 @@
             <a:pPr algn="ctr"/>
             <a:r>
               <a:rPr lang="en-US" dirty="0"/>
-              <a:t>17   &lt;  21</a:t>
+              <a:t>17   ??  21</a:t>
             </a:r>
           </a:p>
         </p:txBody>
@@ -11697,17 +11422,17 @@
             <a:pPr algn="ctr"/>
             <a:r>
               <a:rPr lang="en-US" dirty="0"/>
-              <a:t>MAX</a:t>
-            </a:r>
-          </a:p>
-        </p:txBody>
-      </p:sp>
-      <p:sp>
-        <p:nvSpPr>
-          <p:cNvPr id="6" name="Arrow: Up 5">
-            <a:extLst>
-              <a:ext uri="{FF2B5EF4-FFF2-40B4-BE49-F238E27FC236}">
-                <a16:creationId xmlns:a16="http://schemas.microsoft.com/office/drawing/2014/main" id="{1AF8EEDB-8BCC-0256-5D09-315BB43849C0}"/>
+              <a:t>HI</a:t>
+            </a:r>
+          </a:p>
+        </p:txBody>
+      </p:sp>
+      <p:sp>
+        <p:nvSpPr>
+          <p:cNvPr id="5" name="Arrow: Up 4">
+            <a:extLst>
+              <a:ext uri="{FF2B5EF4-FFF2-40B4-BE49-F238E27FC236}">
+                <a16:creationId xmlns:a16="http://schemas.microsoft.com/office/drawing/2014/main" id="{C072E1EE-1D7F-EEE9-A4FA-10BB5704FB4A}"/>
               </a:ext>
             </a:extLst>
           </p:cNvPr>
@@ -11716,7 +11441,7 @@
         </p:nvSpPr>
         <p:spPr>
           <a:xfrm>
-            <a:off x="4943476" y="5221050"/>
+            <a:off x="1952643" y="5221050"/>
             <a:ext cx="1276314" cy="836850"/>
           </a:xfrm>
           <a:prstGeom prst="upArrow">
@@ -11749,17 +11474,17 @@
             <a:pPr algn="ctr"/>
             <a:r>
               <a:rPr lang="en-US" dirty="0"/>
-              <a:t>CUR</a:t>
-            </a:r>
-          </a:p>
-        </p:txBody>
-      </p:sp>
-      <p:sp>
-        <p:nvSpPr>
-          <p:cNvPr id="5" name="Arrow: Up 4">
-            <a:extLst>
-              <a:ext uri="{FF2B5EF4-FFF2-40B4-BE49-F238E27FC236}">
-                <a16:creationId xmlns:a16="http://schemas.microsoft.com/office/drawing/2014/main" id="{C072E1EE-1D7F-EEE9-A4FA-10BB5704FB4A}"/>
+              <a:t>LO</a:t>
+            </a:r>
+          </a:p>
+        </p:txBody>
+      </p:sp>
+      <p:sp>
+        <p:nvSpPr>
+          <p:cNvPr id="6" name="Arrow: Up 5">
+            <a:extLst>
+              <a:ext uri="{FF2B5EF4-FFF2-40B4-BE49-F238E27FC236}">
+                <a16:creationId xmlns:a16="http://schemas.microsoft.com/office/drawing/2014/main" id="{1AF8EEDB-8BCC-0256-5D09-315BB43849C0}"/>
               </a:ext>
             </a:extLst>
           </p:cNvPr>
@@ -11780,15 +11505,15 @@
         </p:spPr>
         <p:style>
           <a:lnRef idx="2">
-            <a:schemeClr val="accent2">
+            <a:schemeClr val="accent6">
               <a:shade val="15000"/>
             </a:schemeClr>
           </a:lnRef>
           <a:fillRef idx="1">
-            <a:schemeClr val="accent2"/>
+            <a:schemeClr val="accent6"/>
           </a:fillRef>
           <a:effectRef idx="0">
-            <a:schemeClr val="accent2"/>
+            <a:schemeClr val="accent6"/>
           </a:effectRef>
           <a:fontRef idx="minor">
             <a:schemeClr val="lt1"/>
@@ -11801,7 +11526,48 @@
             <a:pPr algn="ctr"/>
             <a:r>
               <a:rPr lang="en-US" dirty="0"/>
-              <a:t>MIN</a:t>
+              <a:t>MID</a:t>
+            </a:r>
+          </a:p>
+        </p:txBody>
+      </p:sp>
+      <p:sp>
+        <p:nvSpPr>
+          <p:cNvPr id="8" name="TextBox 7">
+            <a:extLst>
+              <a:ext uri="{FF2B5EF4-FFF2-40B4-BE49-F238E27FC236}">
+                <a16:creationId xmlns:a16="http://schemas.microsoft.com/office/drawing/2014/main" id="{A46989AF-2837-6467-DB0A-0C9655586C74}"/>
+              </a:ext>
+            </a:extLst>
+          </p:cNvPr>
+          <p:cNvSpPr txBox="1"/>
+          <p:nvPr/>
+        </p:nvSpPr>
+        <p:spPr>
+          <a:xfrm>
+            <a:off x="4593772" y="6057900"/>
+            <a:ext cx="2037737" cy="646331"/>
+          </a:xfrm>
+          <a:prstGeom prst="rect">
+            <a:avLst/>
+          </a:prstGeom>
+          <a:noFill/>
+        </p:spPr>
+        <p:txBody>
+          <a:bodyPr wrap="none" rtlCol="0">
+            <a:spAutoFit/>
+          </a:bodyPr>
+          <a:lstStyle/>
+          <a:p>
+            <a:r>
+              <a:rPr lang="en-US" dirty="0"/>
+              <a:t>(halfway between</a:t>
+            </a:r>
+          </a:p>
+          <a:p>
+            <a:r>
+              <a:rPr lang="en-US" dirty="0"/>
+              <a:t>HI and LO)</a:t>
             </a:r>
           </a:p>
         </p:txBody>
@@ -11809,21 +11575,21 @@
     </p:spTree>
     <p:extLst>
       <p:ext uri="{BB962C8B-B14F-4D97-AF65-F5344CB8AC3E}">
-        <p14:creationId xmlns:p14="http://schemas.microsoft.com/office/powerpoint/2010/main" val="4250226748"/>
+        <p14:creationId xmlns:p14="http://schemas.microsoft.com/office/powerpoint/2010/main" val="2346310976"/>
       </p:ext>
     </p:extLst>
   </p:cSld>
   <p:clrMapOvr>
     <a:masterClrMapping/>
   </p:clrMapOvr>
-  <mc:AlternateContent xmlns:mc="http://schemas.openxmlformats.org/markup-compatibility/2006" xmlns:p159="http://schemas.microsoft.com/office/powerpoint/2015/09/main">
-    <mc:Choice Requires="p159">
-      <p:transition xmlns:p14="http://schemas.microsoft.com/office/powerpoint/2010/main" spd="slow" p14:dur="2000">
+  <mc:AlternateContent xmlns:mc="http://schemas.openxmlformats.org/markup-compatibility/2006">
+    <mc:Choice xmlns:p159="http://schemas.microsoft.com/office/powerpoint/2015/09/main" Requires="p159">
+      <p:transition>
         <p159:morph option="byObject"/>
       </p:transition>
     </mc:Choice>
-    <mc:Fallback xmlns="">
-      <p:transition spd="slow">
+    <mc:Fallback>
+      <p:transition>
         <p:fade/>
       </p:transition>
     </mc:Fallback>
@@ -11850,6 +11616,110 @@
       </p:grpSpPr>
       <p:sp>
         <p:nvSpPr>
+          <p:cNvPr id="8" name="Arrow: Up 7">
+            <a:extLst>
+              <a:ext uri="{FF2B5EF4-FFF2-40B4-BE49-F238E27FC236}">
+                <a16:creationId xmlns:a16="http://schemas.microsoft.com/office/drawing/2014/main" id="{DF1C4D2B-D02F-0BF9-79BE-75C8BCB29AF9}"/>
+              </a:ext>
+            </a:extLst>
+          </p:cNvPr>
+          <p:cNvSpPr/>
+          <p:nvPr/>
+        </p:nvSpPr>
+        <p:spPr>
+          <a:xfrm>
+            <a:off x="4940250" y="5221050"/>
+            <a:ext cx="1276314" cy="836850"/>
+          </a:xfrm>
+          <a:prstGeom prst="upArrow">
+            <a:avLst>
+              <a:gd name="adj1" fmla="val 56531"/>
+              <a:gd name="adj2" fmla="val 50833"/>
+            </a:avLst>
+          </a:prstGeom>
+        </p:spPr>
+        <p:style>
+          <a:lnRef idx="2">
+            <a:schemeClr val="accent6">
+              <a:shade val="15000"/>
+            </a:schemeClr>
+          </a:lnRef>
+          <a:fillRef idx="1">
+            <a:schemeClr val="accent6"/>
+          </a:fillRef>
+          <a:effectRef idx="0">
+            <a:schemeClr val="accent6"/>
+          </a:effectRef>
+          <a:fontRef idx="minor">
+            <a:schemeClr val="lt1"/>
+          </a:fontRef>
+        </p:style>
+        <p:txBody>
+          <a:bodyPr rtlCol="0" anchor="ctr"/>
+          <a:lstStyle/>
+          <a:p>
+            <a:pPr algn="ctr"/>
+            <a:r>
+              <a:rPr lang="en-US" dirty="0"/>
+              <a:t>MID</a:t>
+            </a:r>
+          </a:p>
+        </p:txBody>
+      </p:sp>
+      <p:sp>
+        <p:nvSpPr>
+          <p:cNvPr id="5" name="Arrow: Up 4">
+            <a:extLst>
+              <a:ext uri="{FF2B5EF4-FFF2-40B4-BE49-F238E27FC236}">
+                <a16:creationId xmlns:a16="http://schemas.microsoft.com/office/drawing/2014/main" id="{C072E1EE-1D7F-EEE9-A4FA-10BB5704FB4A}"/>
+              </a:ext>
+            </a:extLst>
+          </p:cNvPr>
+          <p:cNvSpPr/>
+          <p:nvPr/>
+        </p:nvSpPr>
+        <p:spPr>
+          <a:xfrm>
+            <a:off x="4943476" y="5221050"/>
+            <a:ext cx="1276314" cy="836850"/>
+          </a:xfrm>
+          <a:prstGeom prst="upArrow">
+            <a:avLst>
+              <a:gd name="adj1" fmla="val 56531"/>
+              <a:gd name="adj2" fmla="val 50833"/>
+            </a:avLst>
+          </a:prstGeom>
+        </p:spPr>
+        <p:style>
+          <a:lnRef idx="2">
+            <a:schemeClr val="accent2">
+              <a:shade val="15000"/>
+            </a:schemeClr>
+          </a:lnRef>
+          <a:fillRef idx="1">
+            <a:schemeClr val="accent2"/>
+          </a:fillRef>
+          <a:effectRef idx="0">
+            <a:schemeClr val="accent2"/>
+          </a:effectRef>
+          <a:fontRef idx="minor">
+            <a:schemeClr val="lt1"/>
+          </a:fontRef>
+        </p:style>
+        <p:txBody>
+          <a:bodyPr rtlCol="0" anchor="ctr"/>
+          <a:lstStyle/>
+          <a:p>
+            <a:pPr algn="ctr"/>
+            <a:r>
+              <a:rPr lang="en-US" dirty="0"/>
+              <a:t>LO</a:t>
+            </a:r>
+          </a:p>
+        </p:txBody>
+      </p:sp>
+      <p:sp>
+        <p:nvSpPr>
           <p:cNvPr id="3" name="Content Placeholder 2">
             <a:extLst>
               <a:ext uri="{FF2B5EF4-FFF2-40B4-BE49-F238E27FC236}">
@@ -11900,6 +11770,61 @@
       </p:sp>
       <p:sp>
         <p:nvSpPr>
+          <p:cNvPr id="7" name="Rectangle 6">
+            <a:extLst>
+              <a:ext uri="{FF2B5EF4-FFF2-40B4-BE49-F238E27FC236}">
+                <a16:creationId xmlns:a16="http://schemas.microsoft.com/office/drawing/2014/main" id="{1D70EF91-D5A4-174C-C8F6-4AE3AD6A1ECA}"/>
+              </a:ext>
+            </a:extLst>
+          </p:cNvPr>
+          <p:cNvSpPr/>
+          <p:nvPr/>
+        </p:nvSpPr>
+        <p:spPr>
+          <a:xfrm>
+            <a:off x="5055419" y="3429000"/>
+            <a:ext cx="1079678" cy="1804750"/>
+          </a:xfrm>
+          <a:prstGeom prst="rect">
+            <a:avLst/>
+          </a:prstGeom>
+          <a:solidFill>
+            <a:schemeClr val="accent4">
+              <a:lumMod val="40000"/>
+              <a:lumOff val="60000"/>
+            </a:schemeClr>
+          </a:solidFill>
+        </p:spPr>
+        <p:style>
+          <a:lnRef idx="2">
+            <a:schemeClr val="accent3">
+              <a:shade val="15000"/>
+            </a:schemeClr>
+          </a:lnRef>
+          <a:fillRef idx="1">
+            <a:schemeClr val="accent3"/>
+          </a:fillRef>
+          <a:effectRef idx="0">
+            <a:schemeClr val="accent3"/>
+          </a:effectRef>
+          <a:fontRef idx="minor">
+            <a:schemeClr val="lt1"/>
+          </a:fontRef>
+        </p:style>
+        <p:txBody>
+          <a:bodyPr rtlCol="0" anchor="t"/>
+          <a:lstStyle/>
+          <a:p>
+            <a:pPr algn="ctr"/>
+            <a:r>
+              <a:rPr lang="en-US" dirty="0"/>
+              <a:t>17   &lt;  21</a:t>
+            </a:r>
+          </a:p>
+        </p:txBody>
+      </p:sp>
+      <p:sp>
+        <p:nvSpPr>
           <p:cNvPr id="2" name="Title 1">
             <a:extLst>
               <a:ext uri="{FF2B5EF4-FFF2-40B4-BE49-F238E27FC236}">
@@ -11946,15 +11871,6 @@
           <a:prstGeom prst="rect">
             <a:avLst/>
           </a:prstGeom>
-          <a:solidFill>
-            <a:schemeClr val="accent1">
-              <a:lumMod val="20000"/>
-              <a:lumOff val="80000"/>
-            </a:schemeClr>
-          </a:solidFill>
-          <a:ln>
-            <a:noFill/>
-          </a:ln>
         </p:spPr>
         <p:style>
           <a:lnRef idx="2">
@@ -12004,15 +11920,6 @@
           <a:prstGeom prst="rect">
             <a:avLst/>
           </a:prstGeom>
-          <a:solidFill>
-            <a:schemeClr val="accent1">
-              <a:lumMod val="20000"/>
-              <a:lumOff val="80000"/>
-            </a:schemeClr>
-          </a:solidFill>
-          <a:ln>
-            <a:noFill/>
-          </a:ln>
         </p:spPr>
         <p:style>
           <a:lnRef idx="2">
@@ -12062,15 +11969,6 @@
           <a:prstGeom prst="rect">
             <a:avLst/>
           </a:prstGeom>
-          <a:solidFill>
-            <a:schemeClr val="accent1">
-              <a:lumMod val="20000"/>
-              <a:lumOff val="80000"/>
-            </a:schemeClr>
-          </a:solidFill>
-          <a:ln>
-            <a:noFill/>
-          </a:ln>
         </p:spPr>
         <p:style>
           <a:lnRef idx="2">
@@ -12120,15 +12018,6 @@
           <a:prstGeom prst="rect">
             <a:avLst/>
           </a:prstGeom>
-          <a:solidFill>
-            <a:schemeClr val="accent1">
-              <a:lumMod val="20000"/>
-              <a:lumOff val="80000"/>
-            </a:schemeClr>
-          </a:solidFill>
-          <a:ln>
-            <a:noFill/>
-          </a:ln>
         </p:spPr>
         <p:style>
           <a:lnRef idx="2">
@@ -12802,59 +12691,7 @@
             <a:pPr algn="ctr"/>
             <a:r>
               <a:rPr lang="en-US" dirty="0"/>
-              <a:t>MAX</a:t>
-            </a:r>
-          </a:p>
-        </p:txBody>
-      </p:sp>
-      <p:sp>
-        <p:nvSpPr>
-          <p:cNvPr id="5" name="Arrow: Up 4">
-            <a:extLst>
-              <a:ext uri="{FF2B5EF4-FFF2-40B4-BE49-F238E27FC236}">
-                <a16:creationId xmlns:a16="http://schemas.microsoft.com/office/drawing/2014/main" id="{C072E1EE-1D7F-EEE9-A4FA-10BB5704FB4A}"/>
-              </a:ext>
-            </a:extLst>
-          </p:cNvPr>
-          <p:cNvSpPr/>
-          <p:nvPr/>
-        </p:nvSpPr>
-        <p:spPr>
-          <a:xfrm>
-            <a:off x="5985760" y="5221050"/>
-            <a:ext cx="1276314" cy="836850"/>
-          </a:xfrm>
-          <a:prstGeom prst="upArrow">
-            <a:avLst>
-              <a:gd name="adj1" fmla="val 56531"/>
-              <a:gd name="adj2" fmla="val 50833"/>
-            </a:avLst>
-          </a:prstGeom>
-        </p:spPr>
-        <p:style>
-          <a:lnRef idx="2">
-            <a:schemeClr val="accent2">
-              <a:shade val="15000"/>
-            </a:schemeClr>
-          </a:lnRef>
-          <a:fillRef idx="1">
-            <a:schemeClr val="accent2"/>
-          </a:fillRef>
-          <a:effectRef idx="0">
-            <a:schemeClr val="accent2"/>
-          </a:effectRef>
-          <a:fontRef idx="minor">
-            <a:schemeClr val="lt1"/>
-          </a:fontRef>
-        </p:style>
-        <p:txBody>
-          <a:bodyPr rtlCol="0" anchor="ctr"/>
-          <a:lstStyle/>
-          <a:p>
-            <a:pPr algn="ctr"/>
-            <a:r>
-              <a:rPr lang="en-US" dirty="0"/>
-              <a:t>MIN</a:t>
+              <a:t>HI</a:t>
             </a:r>
           </a:p>
         </p:txBody>
@@ -12862,21 +12699,21 @@
     </p:spTree>
     <p:extLst>
       <p:ext uri="{BB962C8B-B14F-4D97-AF65-F5344CB8AC3E}">
-        <p14:creationId xmlns:p14="http://schemas.microsoft.com/office/powerpoint/2010/main" val="1691578133"/>
+        <p14:creationId xmlns:p14="http://schemas.microsoft.com/office/powerpoint/2010/main" val="4250226748"/>
       </p:ext>
     </p:extLst>
   </p:cSld>
   <p:clrMapOvr>
     <a:masterClrMapping/>
   </p:clrMapOvr>
-  <mc:AlternateContent xmlns:mc="http://schemas.openxmlformats.org/markup-compatibility/2006" xmlns:p159="http://schemas.microsoft.com/office/powerpoint/2015/09/main">
-    <mc:Choice Requires="p159">
-      <p:transition xmlns:p14="http://schemas.microsoft.com/office/powerpoint/2010/main" spd="slow" p14:dur="2000">
+  <mc:AlternateContent xmlns:mc="http://schemas.openxmlformats.org/markup-compatibility/2006">
+    <mc:Choice xmlns:p159="http://schemas.microsoft.com/office/powerpoint/2015/09/main" Requires="p159">
+      <p:transition>
         <p159:morph option="byObject"/>
       </p:transition>
     </mc:Choice>
-    <mc:Fallback xmlns="">
-      <p:transition spd="slow">
+    <mc:Fallback>
+      <p:transition>
         <p:fade/>
       </p:transition>
     </mc:Fallback>
@@ -13038,61 +12875,6 @@
       </p:grpSpPr>
       <p:sp>
         <p:nvSpPr>
-          <p:cNvPr id="6" name="Rectangle 5">
-            <a:extLst>
-              <a:ext uri="{FF2B5EF4-FFF2-40B4-BE49-F238E27FC236}">
-                <a16:creationId xmlns:a16="http://schemas.microsoft.com/office/drawing/2014/main" id="{CCA23DC4-7D53-10EE-DF3C-8CC74A5DBF0D}"/>
-              </a:ext>
-            </a:extLst>
-          </p:cNvPr>
-          <p:cNvSpPr/>
-          <p:nvPr/>
-        </p:nvSpPr>
-        <p:spPr>
-          <a:xfrm>
-            <a:off x="7048984" y="3429000"/>
-            <a:ext cx="1079678" cy="1804750"/>
-          </a:xfrm>
-          <a:prstGeom prst="rect">
-            <a:avLst/>
-          </a:prstGeom>
-          <a:solidFill>
-            <a:schemeClr val="accent4">
-              <a:lumMod val="40000"/>
-              <a:lumOff val="60000"/>
-            </a:schemeClr>
-          </a:solidFill>
-        </p:spPr>
-        <p:style>
-          <a:lnRef idx="2">
-            <a:schemeClr val="accent3">
-              <a:shade val="15000"/>
-            </a:schemeClr>
-          </a:lnRef>
-          <a:fillRef idx="1">
-            <a:schemeClr val="accent3"/>
-          </a:fillRef>
-          <a:effectRef idx="0">
-            <a:schemeClr val="accent3"/>
-          </a:effectRef>
-          <a:fontRef idx="minor">
-            <a:schemeClr val="lt1"/>
-          </a:fontRef>
-        </p:style>
-        <p:txBody>
-          <a:bodyPr rtlCol="0" anchor="t"/>
-          <a:lstStyle/>
-          <a:p>
-            <a:pPr algn="ctr"/>
-            <a:r>
-              <a:rPr lang="en-US" dirty="0"/>
-              <a:t>21   ??  21</a:t>
-            </a:r>
-          </a:p>
-        </p:txBody>
-      </p:sp>
-      <p:sp>
-        <p:nvSpPr>
           <p:cNvPr id="3" name="Content Placeholder 2">
             <a:extLst>
               <a:ext uri="{FF2B5EF4-FFF2-40B4-BE49-F238E27FC236}">
@@ -14045,7 +13827,7 @@
             <a:pPr algn="ctr"/>
             <a:r>
               <a:rPr lang="en-US" dirty="0"/>
-              <a:t>MAX</a:t>
+              <a:t>HI</a:t>
             </a:r>
           </a:p>
         </p:txBody>
@@ -14097,100 +13879,7 @@
             <a:pPr algn="ctr"/>
             <a:r>
               <a:rPr lang="en-US" dirty="0"/>
-              <a:t>MIN</a:t>
-            </a:r>
-          </a:p>
-        </p:txBody>
-      </p:sp>
-      <p:sp>
-        <p:nvSpPr>
-          <p:cNvPr id="7" name="Arrow: Up 6">
-            <a:extLst>
-              <a:ext uri="{FF2B5EF4-FFF2-40B4-BE49-F238E27FC236}">
-                <a16:creationId xmlns:a16="http://schemas.microsoft.com/office/drawing/2014/main" id="{C4A16D78-3313-905B-65E5-93D275E95DE1}"/>
-              </a:ext>
-            </a:extLst>
-          </p:cNvPr>
-          <p:cNvSpPr/>
-          <p:nvPr/>
-        </p:nvSpPr>
-        <p:spPr>
-          <a:xfrm>
-            <a:off x="6947249" y="5221050"/>
-            <a:ext cx="1276314" cy="836850"/>
-          </a:xfrm>
-          <a:prstGeom prst="upArrow">
-            <a:avLst>
-              <a:gd name="adj1" fmla="val 56531"/>
-              <a:gd name="adj2" fmla="val 50833"/>
-            </a:avLst>
-          </a:prstGeom>
-        </p:spPr>
-        <p:style>
-          <a:lnRef idx="2">
-            <a:schemeClr val="accent6">
-              <a:shade val="15000"/>
-            </a:schemeClr>
-          </a:lnRef>
-          <a:fillRef idx="1">
-            <a:schemeClr val="accent6"/>
-          </a:fillRef>
-          <a:effectRef idx="0">
-            <a:schemeClr val="accent6"/>
-          </a:effectRef>
-          <a:fontRef idx="minor">
-            <a:schemeClr val="lt1"/>
-          </a:fontRef>
-        </p:style>
-        <p:txBody>
-          <a:bodyPr rtlCol="0" anchor="ctr"/>
-          <a:lstStyle/>
-          <a:p>
-            <a:pPr algn="ctr"/>
-            <a:r>
-              <a:rPr lang="en-US" dirty="0"/>
-              <a:t>CUR</a:t>
-            </a:r>
-          </a:p>
-        </p:txBody>
-      </p:sp>
-      <p:sp>
-        <p:nvSpPr>
-          <p:cNvPr id="8" name="TextBox 7">
-            <a:extLst>
-              <a:ext uri="{FF2B5EF4-FFF2-40B4-BE49-F238E27FC236}">
-                <a16:creationId xmlns:a16="http://schemas.microsoft.com/office/drawing/2014/main" id="{B7423851-1FC2-AF85-07D4-160D9AA872A2}"/>
-              </a:ext>
-            </a:extLst>
-          </p:cNvPr>
-          <p:cNvSpPr txBox="1"/>
-          <p:nvPr/>
-        </p:nvSpPr>
-        <p:spPr>
-          <a:xfrm>
-            <a:off x="6672567" y="6070126"/>
-            <a:ext cx="2037737" cy="646331"/>
-          </a:xfrm>
-          <a:prstGeom prst="rect">
-            <a:avLst/>
-          </a:prstGeom>
-          <a:noFill/>
-        </p:spPr>
-        <p:txBody>
-          <a:bodyPr wrap="none" rtlCol="0">
-            <a:spAutoFit/>
-          </a:bodyPr>
-          <a:lstStyle/>
-          <a:p>
-            <a:r>
-              <a:rPr lang="en-US" dirty="0"/>
-              <a:t>(halfway between</a:t>
-            </a:r>
-          </a:p>
-          <a:p>
-            <a:r>
-              <a:rPr lang="en-US" dirty="0"/>
-              <a:t>MAX and MIN)</a:t>
+              <a:t>LO</a:t>
             </a:r>
           </a:p>
         </p:txBody>
@@ -14198,21 +13887,21 @@
     </p:spTree>
     <p:extLst>
       <p:ext uri="{BB962C8B-B14F-4D97-AF65-F5344CB8AC3E}">
-        <p14:creationId xmlns:p14="http://schemas.microsoft.com/office/powerpoint/2010/main" val="2706723740"/>
+        <p14:creationId xmlns:p14="http://schemas.microsoft.com/office/powerpoint/2010/main" val="1691578133"/>
       </p:ext>
     </p:extLst>
   </p:cSld>
   <p:clrMapOvr>
     <a:masterClrMapping/>
   </p:clrMapOvr>
-  <mc:AlternateContent xmlns:mc="http://schemas.openxmlformats.org/markup-compatibility/2006" xmlns:p159="http://schemas.microsoft.com/office/powerpoint/2015/09/main">
-    <mc:Choice Requires="p159">
-      <p:transition xmlns:p14="http://schemas.microsoft.com/office/powerpoint/2010/main" spd="slow" p14:dur="2000">
+  <mc:AlternateContent xmlns:mc="http://schemas.openxmlformats.org/markup-compatibility/2006">
+    <mc:Choice xmlns:p159="http://schemas.microsoft.com/office/powerpoint/2015/09/main" Requires="p159">
+      <p:transition>
         <p159:morph option="byObject"/>
       </p:transition>
     </mc:Choice>
-    <mc:Fallback xmlns="">
-      <p:transition spd="slow">
+    <mc:Fallback>
+      <p:transition>
         <p:fade/>
       </p:transition>
     </mc:Fallback>
@@ -14287,7 +13976,7 @@
             <a:pPr algn="ctr"/>
             <a:r>
               <a:rPr lang="en-US" dirty="0"/>
-              <a:t>21  ==  21</a:t>
+              <a:t>21   ??  21</a:t>
             </a:r>
           </a:p>
         </p:txBody>
@@ -15060,7 +14749,7 @@
         <p:spPr>
           <a:xfrm>
             <a:off x="7433762" y="3934144"/>
-            <a:ext cx="311304" cy="369332"/>
+            <a:ext cx="303288" cy="369332"/>
           </a:xfrm>
           <a:prstGeom prst="rect">
             <a:avLst/>
@@ -15074,7 +14763,7 @@
           <a:lstStyle/>
           <a:p>
             <a:r>
-              <a:rPr lang="en-US" b="1" dirty="0"/>
+              <a:rPr lang="en-US" dirty="0"/>
               <a:t>5</a:t>
             </a:r>
           </a:p>
@@ -15246,7 +14935,7 @@
             <a:pPr algn="ctr"/>
             <a:r>
               <a:rPr lang="en-US" dirty="0"/>
-              <a:t>MAX</a:t>
+              <a:t>HI</a:t>
             </a:r>
           </a:p>
         </p:txBody>
@@ -15298,7 +14987,7 @@
             <a:pPr algn="ctr"/>
             <a:r>
               <a:rPr lang="en-US" dirty="0"/>
-              <a:t>MIN</a:t>
+              <a:t>LO</a:t>
             </a:r>
           </a:p>
         </p:txBody>
@@ -15350,7 +15039,7 @@
             <a:pPr algn="ctr"/>
             <a:r>
               <a:rPr lang="en-US" dirty="0"/>
-              <a:t>CUR</a:t>
+              <a:t>MID</a:t>
             </a:r>
           </a:p>
         </p:txBody>
@@ -15391,7 +15080,7 @@
           <a:p>
             <a:r>
               <a:rPr lang="en-US" dirty="0"/>
-              <a:t>MAX and MIN)</a:t>
+              <a:t>HI and LO)</a:t>
             </a:r>
           </a:p>
         </p:txBody>
@@ -15399,21 +15088,21 @@
     </p:spTree>
     <p:extLst>
       <p:ext uri="{BB962C8B-B14F-4D97-AF65-F5344CB8AC3E}">
-        <p14:creationId xmlns:p14="http://schemas.microsoft.com/office/powerpoint/2010/main" val="1692934582"/>
+        <p14:creationId xmlns:p14="http://schemas.microsoft.com/office/powerpoint/2010/main" val="2706723740"/>
       </p:ext>
     </p:extLst>
   </p:cSld>
   <p:clrMapOvr>
     <a:masterClrMapping/>
   </p:clrMapOvr>
-  <mc:AlternateContent xmlns:mc="http://schemas.openxmlformats.org/markup-compatibility/2006" xmlns:p159="http://schemas.microsoft.com/office/powerpoint/2015/09/main">
-    <mc:Choice Requires="p159">
-      <p:transition xmlns:p14="http://schemas.microsoft.com/office/powerpoint/2010/main" spd="slow" p14:dur="2000">
+  <mc:AlternateContent xmlns:mc="http://schemas.openxmlformats.org/markup-compatibility/2006">
+    <mc:Choice xmlns:p159="http://schemas.microsoft.com/office/powerpoint/2015/09/main" Requires="p159">
+      <p:transition>
         <p159:morph option="byObject"/>
       </p:transition>
     </mc:Choice>
-    <mc:Fallback xmlns="">
-      <p:transition spd="slow">
+    <mc:Fallback>
+      <p:transition>
         <p:fade/>
       </p:transition>
     </mc:Fallback>
@@ -15440,10 +15129,115 @@
       </p:grpSpPr>
       <p:sp>
         <p:nvSpPr>
+          <p:cNvPr id="6" name="Rectangle 5">
+            <a:extLst>
+              <a:ext uri="{FF2B5EF4-FFF2-40B4-BE49-F238E27FC236}">
+                <a16:creationId xmlns:a16="http://schemas.microsoft.com/office/drawing/2014/main" id="{CCA23DC4-7D53-10EE-DF3C-8CC74A5DBF0D}"/>
+              </a:ext>
+            </a:extLst>
+          </p:cNvPr>
+          <p:cNvSpPr/>
+          <p:nvPr/>
+        </p:nvSpPr>
+        <p:spPr>
+          <a:xfrm>
+            <a:off x="7048984" y="3429000"/>
+            <a:ext cx="1079678" cy="1804750"/>
+          </a:xfrm>
+          <a:prstGeom prst="rect">
+            <a:avLst/>
+          </a:prstGeom>
+          <a:solidFill>
+            <a:schemeClr val="accent4">
+              <a:lumMod val="40000"/>
+              <a:lumOff val="60000"/>
+            </a:schemeClr>
+          </a:solidFill>
+        </p:spPr>
+        <p:style>
+          <a:lnRef idx="2">
+            <a:schemeClr val="accent3">
+              <a:shade val="15000"/>
+            </a:schemeClr>
+          </a:lnRef>
+          <a:fillRef idx="1">
+            <a:schemeClr val="accent3"/>
+          </a:fillRef>
+          <a:effectRef idx="0">
+            <a:schemeClr val="accent3"/>
+          </a:effectRef>
+          <a:fontRef idx="minor">
+            <a:schemeClr val="lt1"/>
+          </a:fontRef>
+        </p:style>
+        <p:txBody>
+          <a:bodyPr rtlCol="0" anchor="t"/>
+          <a:lstStyle/>
+          <a:p>
+            <a:pPr algn="ctr"/>
+            <a:r>
+              <a:rPr lang="en-US" dirty="0"/>
+              <a:t>21  ==  21</a:t>
+            </a:r>
+          </a:p>
+        </p:txBody>
+      </p:sp>
+      <p:sp>
+        <p:nvSpPr>
+          <p:cNvPr id="3" name="Content Placeholder 2">
+            <a:extLst>
+              <a:ext uri="{FF2B5EF4-FFF2-40B4-BE49-F238E27FC236}">
+                <a16:creationId xmlns:a16="http://schemas.microsoft.com/office/drawing/2014/main" id="{A6DFFC80-C218-264B-A708-538301EAB854}"/>
+              </a:ext>
+            </a:extLst>
+          </p:cNvPr>
+          <p:cNvSpPr>
+            <a:spLocks noGrp="1"/>
+          </p:cNvSpPr>
+          <p:nvPr>
+            <p:ph idx="1"/>
+          </p:nvPr>
+        </p:nvSpPr>
+        <p:spPr>
+          <a:xfrm>
+            <a:off x="838200" y="1825625"/>
+            <a:ext cx="10515600" cy="1494544"/>
+          </a:xfrm>
+        </p:spPr>
+        <p:txBody>
+          <a:bodyPr/>
+          <a:lstStyle/>
+          <a:p>
+            <a:r>
+              <a:rPr lang="en-US" dirty="0"/>
+              <a:t>Repeatedly divide list in half</a:t>
+            </a:r>
+          </a:p>
+          <a:p>
+            <a:pPr lvl="1"/>
+            <a:r>
+              <a:rPr lang="en-US" dirty="0"/>
+              <a:t>Is target LESS or GREATER than the middle element</a:t>
+            </a:r>
+          </a:p>
+          <a:p>
+            <a:r>
+              <a:rPr lang="en-US" dirty="0" err="1"/>
+              <a:t>Prereq</a:t>
+            </a:r>
+            <a:r>
+              <a:rPr lang="en-US" dirty="0"/>
+              <a:t>: List MUST be sorted. ✅</a:t>
+            </a:r>
+          </a:p>
+        </p:txBody>
+      </p:sp>
+      <p:sp>
+        <p:nvSpPr>
           <p:cNvPr id="2" name="Title 1">
             <a:extLst>
               <a:ext uri="{FF2B5EF4-FFF2-40B4-BE49-F238E27FC236}">
-                <a16:creationId xmlns:a16="http://schemas.microsoft.com/office/drawing/2014/main" id="{7903B2A5-DC14-26CB-08E3-F0C882FDAFD2}"/>
+                <a16:creationId xmlns:a16="http://schemas.microsoft.com/office/drawing/2014/main" id="{C39FA99D-069B-1F2C-AEEC-CBCCD55FE246}"/>
               </a:ext>
             </a:extLst>
           </p:cNvPr>
@@ -15461,7 +15255,836 @@
           <a:p>
             <a:r>
               <a:rPr lang="en-US" dirty="0"/>
-              <a:t>Binary Search: Algorithm</a:t>
+              <a:t>Binary Search</a:t>
+            </a:r>
+          </a:p>
+        </p:txBody>
+      </p:sp>
+      <p:sp>
+        <p:nvSpPr>
+          <p:cNvPr id="22" name="Rectangle 21">
+            <a:extLst>
+              <a:ext uri="{FF2B5EF4-FFF2-40B4-BE49-F238E27FC236}">
+                <a16:creationId xmlns:a16="http://schemas.microsoft.com/office/drawing/2014/main" id="{CA5D9F81-C081-B7F6-D9D7-1B9DB0B752F8}"/>
+              </a:ext>
+            </a:extLst>
+          </p:cNvPr>
+          <p:cNvSpPr/>
+          <p:nvPr/>
+        </p:nvSpPr>
+        <p:spPr>
+          <a:xfrm>
+            <a:off x="2197100" y="4412307"/>
+            <a:ext cx="787400" cy="699912"/>
+          </a:xfrm>
+          <a:prstGeom prst="rect">
+            <a:avLst/>
+          </a:prstGeom>
+          <a:solidFill>
+            <a:schemeClr val="accent1">
+              <a:lumMod val="20000"/>
+              <a:lumOff val="80000"/>
+            </a:schemeClr>
+          </a:solidFill>
+          <a:ln>
+            <a:noFill/>
+          </a:ln>
+        </p:spPr>
+        <p:style>
+          <a:lnRef idx="2">
+            <a:schemeClr val="accent1">
+              <a:shade val="15000"/>
+            </a:schemeClr>
+          </a:lnRef>
+          <a:fillRef idx="1">
+            <a:schemeClr val="accent1"/>
+          </a:fillRef>
+          <a:effectRef idx="0">
+            <a:schemeClr val="accent1"/>
+          </a:effectRef>
+          <a:fontRef idx="minor">
+            <a:schemeClr val="lt1"/>
+          </a:fontRef>
+        </p:style>
+        <p:txBody>
+          <a:bodyPr rtlCol="0" anchor="ctr"/>
+          <a:lstStyle/>
+          <a:p>
+            <a:pPr algn="ctr"/>
+            <a:r>
+              <a:rPr lang="en-US" sz="3200" dirty="0"/>
+              <a:t>1</a:t>
+            </a:r>
+          </a:p>
+        </p:txBody>
+      </p:sp>
+      <p:sp>
+        <p:nvSpPr>
+          <p:cNvPr id="23" name="Rectangle 22">
+            <a:extLst>
+              <a:ext uri="{FF2B5EF4-FFF2-40B4-BE49-F238E27FC236}">
+                <a16:creationId xmlns:a16="http://schemas.microsoft.com/office/drawing/2014/main" id="{40645A23-33B3-0C6E-0B5E-0AF3DBC3BBB8}"/>
+              </a:ext>
+            </a:extLst>
+          </p:cNvPr>
+          <p:cNvSpPr/>
+          <p:nvPr/>
+        </p:nvSpPr>
+        <p:spPr>
+          <a:xfrm>
+            <a:off x="3198586" y="4412307"/>
+            <a:ext cx="787400" cy="699912"/>
+          </a:xfrm>
+          <a:prstGeom prst="rect">
+            <a:avLst/>
+          </a:prstGeom>
+          <a:solidFill>
+            <a:schemeClr val="accent1">
+              <a:lumMod val="20000"/>
+              <a:lumOff val="80000"/>
+            </a:schemeClr>
+          </a:solidFill>
+          <a:ln>
+            <a:noFill/>
+          </a:ln>
+        </p:spPr>
+        <p:style>
+          <a:lnRef idx="2">
+            <a:schemeClr val="accent1">
+              <a:shade val="15000"/>
+            </a:schemeClr>
+          </a:lnRef>
+          <a:fillRef idx="1">
+            <a:schemeClr val="accent1"/>
+          </a:fillRef>
+          <a:effectRef idx="0">
+            <a:schemeClr val="accent1"/>
+          </a:effectRef>
+          <a:fontRef idx="minor">
+            <a:schemeClr val="lt1"/>
+          </a:fontRef>
+        </p:style>
+        <p:txBody>
+          <a:bodyPr rtlCol="0" anchor="ctr"/>
+          <a:lstStyle/>
+          <a:p>
+            <a:pPr algn="ctr"/>
+            <a:r>
+              <a:rPr lang="en-US" sz="3200" dirty="0"/>
+              <a:t>5</a:t>
+            </a:r>
+          </a:p>
+        </p:txBody>
+      </p:sp>
+      <p:sp>
+        <p:nvSpPr>
+          <p:cNvPr id="24" name="Rectangle 23">
+            <a:extLst>
+              <a:ext uri="{FF2B5EF4-FFF2-40B4-BE49-F238E27FC236}">
+                <a16:creationId xmlns:a16="http://schemas.microsoft.com/office/drawing/2014/main" id="{613F67B0-7AAD-84DC-536C-D30357CA271A}"/>
+              </a:ext>
+            </a:extLst>
+          </p:cNvPr>
+          <p:cNvSpPr/>
+          <p:nvPr/>
+        </p:nvSpPr>
+        <p:spPr>
+          <a:xfrm>
+            <a:off x="4200072" y="4412307"/>
+            <a:ext cx="787400" cy="699912"/>
+          </a:xfrm>
+          <a:prstGeom prst="rect">
+            <a:avLst/>
+          </a:prstGeom>
+          <a:solidFill>
+            <a:schemeClr val="accent1">
+              <a:lumMod val="20000"/>
+              <a:lumOff val="80000"/>
+            </a:schemeClr>
+          </a:solidFill>
+          <a:ln>
+            <a:noFill/>
+          </a:ln>
+        </p:spPr>
+        <p:style>
+          <a:lnRef idx="2">
+            <a:schemeClr val="accent1">
+              <a:shade val="15000"/>
+            </a:schemeClr>
+          </a:lnRef>
+          <a:fillRef idx="1">
+            <a:schemeClr val="accent1"/>
+          </a:fillRef>
+          <a:effectRef idx="0">
+            <a:schemeClr val="accent1"/>
+          </a:effectRef>
+          <a:fontRef idx="minor">
+            <a:schemeClr val="lt1"/>
+          </a:fontRef>
+        </p:style>
+        <p:txBody>
+          <a:bodyPr rtlCol="0" anchor="ctr"/>
+          <a:lstStyle/>
+          <a:p>
+            <a:pPr algn="ctr"/>
+            <a:r>
+              <a:rPr lang="en-US" sz="3200" dirty="0"/>
+              <a:t>13</a:t>
+            </a:r>
+          </a:p>
+        </p:txBody>
+      </p:sp>
+      <p:sp>
+        <p:nvSpPr>
+          <p:cNvPr id="25" name="Rectangle 24">
+            <a:extLst>
+              <a:ext uri="{FF2B5EF4-FFF2-40B4-BE49-F238E27FC236}">
+                <a16:creationId xmlns:a16="http://schemas.microsoft.com/office/drawing/2014/main" id="{EEFE832D-B0E4-6AA8-5014-FBFFF7D6AE6B}"/>
+              </a:ext>
+            </a:extLst>
+          </p:cNvPr>
+          <p:cNvSpPr/>
+          <p:nvPr/>
+        </p:nvSpPr>
+        <p:spPr>
+          <a:xfrm>
+            <a:off x="5201558" y="4412307"/>
+            <a:ext cx="787400" cy="699912"/>
+          </a:xfrm>
+          <a:prstGeom prst="rect">
+            <a:avLst/>
+          </a:prstGeom>
+          <a:solidFill>
+            <a:schemeClr val="accent1">
+              <a:lumMod val="20000"/>
+              <a:lumOff val="80000"/>
+            </a:schemeClr>
+          </a:solidFill>
+          <a:ln>
+            <a:noFill/>
+          </a:ln>
+        </p:spPr>
+        <p:style>
+          <a:lnRef idx="2">
+            <a:schemeClr val="accent1">
+              <a:shade val="15000"/>
+            </a:schemeClr>
+          </a:lnRef>
+          <a:fillRef idx="1">
+            <a:schemeClr val="accent1"/>
+          </a:fillRef>
+          <a:effectRef idx="0">
+            <a:schemeClr val="accent1"/>
+          </a:effectRef>
+          <a:fontRef idx="minor">
+            <a:schemeClr val="lt1"/>
+          </a:fontRef>
+        </p:style>
+        <p:txBody>
+          <a:bodyPr rtlCol="0" anchor="ctr"/>
+          <a:lstStyle/>
+          <a:p>
+            <a:pPr algn="ctr"/>
+            <a:r>
+              <a:rPr lang="en-US" sz="3200" dirty="0"/>
+              <a:t>17</a:t>
+            </a:r>
+          </a:p>
+        </p:txBody>
+      </p:sp>
+      <p:sp>
+        <p:nvSpPr>
+          <p:cNvPr id="26" name="Rectangle 25">
+            <a:extLst>
+              <a:ext uri="{FF2B5EF4-FFF2-40B4-BE49-F238E27FC236}">
+                <a16:creationId xmlns:a16="http://schemas.microsoft.com/office/drawing/2014/main" id="{4A14FA34-5F25-6BBE-7F00-DE098E18AD7D}"/>
+              </a:ext>
+            </a:extLst>
+          </p:cNvPr>
+          <p:cNvSpPr/>
+          <p:nvPr/>
+        </p:nvSpPr>
+        <p:spPr>
+          <a:xfrm>
+            <a:off x="6203044" y="4412307"/>
+            <a:ext cx="787400" cy="699912"/>
+          </a:xfrm>
+          <a:prstGeom prst="rect">
+            <a:avLst/>
+          </a:prstGeom>
+        </p:spPr>
+        <p:style>
+          <a:lnRef idx="2">
+            <a:schemeClr val="accent1">
+              <a:shade val="15000"/>
+            </a:schemeClr>
+          </a:lnRef>
+          <a:fillRef idx="1">
+            <a:schemeClr val="accent1"/>
+          </a:fillRef>
+          <a:effectRef idx="0">
+            <a:schemeClr val="accent1"/>
+          </a:effectRef>
+          <a:fontRef idx="minor">
+            <a:schemeClr val="lt1"/>
+          </a:fontRef>
+        </p:style>
+        <p:txBody>
+          <a:bodyPr rtlCol="0" anchor="ctr"/>
+          <a:lstStyle/>
+          <a:p>
+            <a:pPr algn="ctr"/>
+            <a:r>
+              <a:rPr lang="en-US" sz="3200" dirty="0"/>
+              <a:t>19</a:t>
+            </a:r>
+          </a:p>
+        </p:txBody>
+      </p:sp>
+      <p:sp>
+        <p:nvSpPr>
+          <p:cNvPr id="27" name="Rectangle 26">
+            <a:extLst>
+              <a:ext uri="{FF2B5EF4-FFF2-40B4-BE49-F238E27FC236}">
+                <a16:creationId xmlns:a16="http://schemas.microsoft.com/office/drawing/2014/main" id="{A20D8607-9112-E357-A0D6-A4E4D9A89FFE}"/>
+              </a:ext>
+            </a:extLst>
+          </p:cNvPr>
+          <p:cNvSpPr/>
+          <p:nvPr/>
+        </p:nvSpPr>
+        <p:spPr>
+          <a:xfrm>
+            <a:off x="7204530" y="4412307"/>
+            <a:ext cx="787400" cy="699912"/>
+          </a:xfrm>
+          <a:prstGeom prst="rect">
+            <a:avLst/>
+          </a:prstGeom>
+        </p:spPr>
+        <p:style>
+          <a:lnRef idx="2">
+            <a:schemeClr val="accent1">
+              <a:shade val="15000"/>
+            </a:schemeClr>
+          </a:lnRef>
+          <a:fillRef idx="1">
+            <a:schemeClr val="accent1"/>
+          </a:fillRef>
+          <a:effectRef idx="0">
+            <a:schemeClr val="accent1"/>
+          </a:effectRef>
+          <a:fontRef idx="minor">
+            <a:schemeClr val="lt1"/>
+          </a:fontRef>
+        </p:style>
+        <p:txBody>
+          <a:bodyPr rtlCol="0" anchor="ctr"/>
+          <a:lstStyle/>
+          <a:p>
+            <a:pPr algn="ctr"/>
+            <a:r>
+              <a:rPr lang="en-US" sz="3200" dirty="0"/>
+              <a:t>21</a:t>
+            </a:r>
+          </a:p>
+        </p:txBody>
+      </p:sp>
+      <p:sp>
+        <p:nvSpPr>
+          <p:cNvPr id="28" name="Rectangle 27">
+            <a:extLst>
+              <a:ext uri="{FF2B5EF4-FFF2-40B4-BE49-F238E27FC236}">
+                <a16:creationId xmlns:a16="http://schemas.microsoft.com/office/drawing/2014/main" id="{0DB656E1-E468-D46C-2157-69571BD8322D}"/>
+              </a:ext>
+            </a:extLst>
+          </p:cNvPr>
+          <p:cNvSpPr/>
+          <p:nvPr/>
+        </p:nvSpPr>
+        <p:spPr>
+          <a:xfrm>
+            <a:off x="8206016" y="4412307"/>
+            <a:ext cx="787400" cy="699912"/>
+          </a:xfrm>
+          <a:prstGeom prst="rect">
+            <a:avLst/>
+          </a:prstGeom>
+        </p:spPr>
+        <p:style>
+          <a:lnRef idx="2">
+            <a:schemeClr val="accent1">
+              <a:shade val="15000"/>
+            </a:schemeClr>
+          </a:lnRef>
+          <a:fillRef idx="1">
+            <a:schemeClr val="accent1"/>
+          </a:fillRef>
+          <a:effectRef idx="0">
+            <a:schemeClr val="accent1"/>
+          </a:effectRef>
+          <a:fontRef idx="minor">
+            <a:schemeClr val="lt1"/>
+          </a:fontRef>
+        </p:style>
+        <p:txBody>
+          <a:bodyPr rtlCol="0" anchor="ctr"/>
+          <a:lstStyle/>
+          <a:p>
+            <a:pPr algn="ctr"/>
+            <a:r>
+              <a:rPr lang="en-US" sz="3200" dirty="0"/>
+              <a:t>27</a:t>
+            </a:r>
+          </a:p>
+        </p:txBody>
+      </p:sp>
+      <p:sp>
+        <p:nvSpPr>
+          <p:cNvPr id="29" name="Rectangle 28">
+            <a:extLst>
+              <a:ext uri="{FF2B5EF4-FFF2-40B4-BE49-F238E27FC236}">
+                <a16:creationId xmlns:a16="http://schemas.microsoft.com/office/drawing/2014/main" id="{1657EEA0-B627-34A7-EE30-E588D7EA0EF8}"/>
+              </a:ext>
+            </a:extLst>
+          </p:cNvPr>
+          <p:cNvSpPr/>
+          <p:nvPr/>
+        </p:nvSpPr>
+        <p:spPr>
+          <a:xfrm>
+            <a:off x="9207500" y="4412307"/>
+            <a:ext cx="787400" cy="699912"/>
+          </a:xfrm>
+          <a:prstGeom prst="rect">
+            <a:avLst/>
+          </a:prstGeom>
+        </p:spPr>
+        <p:style>
+          <a:lnRef idx="2">
+            <a:schemeClr val="accent1">
+              <a:shade val="15000"/>
+            </a:schemeClr>
+          </a:lnRef>
+          <a:fillRef idx="1">
+            <a:schemeClr val="accent1"/>
+          </a:fillRef>
+          <a:effectRef idx="0">
+            <a:schemeClr val="accent1"/>
+          </a:effectRef>
+          <a:fontRef idx="minor">
+            <a:schemeClr val="lt1"/>
+          </a:fontRef>
+        </p:style>
+        <p:txBody>
+          <a:bodyPr rtlCol="0" anchor="ctr"/>
+          <a:lstStyle/>
+          <a:p>
+            <a:pPr algn="ctr"/>
+            <a:r>
+              <a:rPr lang="en-US" sz="3200" dirty="0"/>
+              <a:t>29</a:t>
+            </a:r>
+          </a:p>
+        </p:txBody>
+      </p:sp>
+      <p:sp>
+        <p:nvSpPr>
+          <p:cNvPr id="31" name="TextBox 30">
+            <a:extLst>
+              <a:ext uri="{FF2B5EF4-FFF2-40B4-BE49-F238E27FC236}">
+                <a16:creationId xmlns:a16="http://schemas.microsoft.com/office/drawing/2014/main" id="{FC2C9283-079C-EBBF-1976-6D846AF3DDC3}"/>
+              </a:ext>
+            </a:extLst>
+          </p:cNvPr>
+          <p:cNvSpPr txBox="1"/>
+          <p:nvPr/>
+        </p:nvSpPr>
+        <p:spPr>
+          <a:xfrm>
+            <a:off x="2426332" y="3934144"/>
+            <a:ext cx="328936" cy="369332"/>
+          </a:xfrm>
+          <a:prstGeom prst="rect">
+            <a:avLst/>
+          </a:prstGeom>
+          <a:noFill/>
+        </p:spPr>
+        <p:txBody>
+          <a:bodyPr wrap="none" rtlCol="0">
+            <a:spAutoFit/>
+          </a:bodyPr>
+          <a:lstStyle/>
+          <a:p>
+            <a:r>
+              <a:rPr lang="en-US" dirty="0"/>
+              <a:t>0</a:t>
+            </a:r>
+          </a:p>
+        </p:txBody>
+      </p:sp>
+      <p:sp>
+        <p:nvSpPr>
+          <p:cNvPr id="32" name="TextBox 31">
+            <a:extLst>
+              <a:ext uri="{FF2B5EF4-FFF2-40B4-BE49-F238E27FC236}">
+                <a16:creationId xmlns:a16="http://schemas.microsoft.com/office/drawing/2014/main" id="{DEEF99FC-7928-01FA-AD3A-4E41E95CF271}"/>
+              </a:ext>
+            </a:extLst>
+          </p:cNvPr>
+          <p:cNvSpPr txBox="1"/>
+          <p:nvPr/>
+        </p:nvSpPr>
+        <p:spPr>
+          <a:xfrm>
+            <a:off x="1138862" y="3943391"/>
+            <a:ext cx="739305" cy="369332"/>
+          </a:xfrm>
+          <a:prstGeom prst="rect">
+            <a:avLst/>
+          </a:prstGeom>
+          <a:noFill/>
+        </p:spPr>
+        <p:txBody>
+          <a:bodyPr wrap="none" rtlCol="0">
+            <a:spAutoFit/>
+          </a:bodyPr>
+          <a:lstStyle/>
+          <a:p>
+            <a:pPr algn="r"/>
+            <a:r>
+              <a:rPr lang="en-US" dirty="0"/>
+              <a:t>Index</a:t>
+            </a:r>
+          </a:p>
+        </p:txBody>
+      </p:sp>
+      <p:sp>
+        <p:nvSpPr>
+          <p:cNvPr id="33" name="TextBox 32">
+            <a:extLst>
+              <a:ext uri="{FF2B5EF4-FFF2-40B4-BE49-F238E27FC236}">
+                <a16:creationId xmlns:a16="http://schemas.microsoft.com/office/drawing/2014/main" id="{567FD118-EAA5-BAF5-6DB3-0352A244D20A}"/>
+              </a:ext>
+            </a:extLst>
+          </p:cNvPr>
+          <p:cNvSpPr txBox="1"/>
+          <p:nvPr/>
+        </p:nvSpPr>
+        <p:spPr>
+          <a:xfrm>
+            <a:off x="1138862" y="4577597"/>
+            <a:ext cx="756938" cy="369332"/>
+          </a:xfrm>
+          <a:prstGeom prst="rect">
+            <a:avLst/>
+          </a:prstGeom>
+          <a:noFill/>
+        </p:spPr>
+        <p:txBody>
+          <a:bodyPr wrap="none" rtlCol="0">
+            <a:spAutoFit/>
+          </a:bodyPr>
+          <a:lstStyle/>
+          <a:p>
+            <a:pPr algn="r"/>
+            <a:r>
+              <a:rPr lang="en-US" dirty="0"/>
+              <a:t>Value</a:t>
+            </a:r>
+          </a:p>
+        </p:txBody>
+      </p:sp>
+      <p:sp>
+        <p:nvSpPr>
+          <p:cNvPr id="34" name="TextBox 33">
+            <a:extLst>
+              <a:ext uri="{FF2B5EF4-FFF2-40B4-BE49-F238E27FC236}">
+                <a16:creationId xmlns:a16="http://schemas.microsoft.com/office/drawing/2014/main" id="{5FBF8B77-7813-C2A1-1970-A3772D37CF36}"/>
+              </a:ext>
+            </a:extLst>
+          </p:cNvPr>
+          <p:cNvSpPr txBox="1"/>
+          <p:nvPr/>
+        </p:nvSpPr>
+        <p:spPr>
+          <a:xfrm>
+            <a:off x="3427818" y="3934144"/>
+            <a:ext cx="269626" cy="369332"/>
+          </a:xfrm>
+          <a:prstGeom prst="rect">
+            <a:avLst/>
+          </a:prstGeom>
+          <a:noFill/>
+        </p:spPr>
+        <p:txBody>
+          <a:bodyPr wrap="none" rtlCol="0">
+            <a:spAutoFit/>
+          </a:bodyPr>
+          <a:lstStyle/>
+          <a:p>
+            <a:r>
+              <a:rPr lang="en-US" dirty="0"/>
+              <a:t>1</a:t>
+            </a:r>
+          </a:p>
+        </p:txBody>
+      </p:sp>
+      <p:sp>
+        <p:nvSpPr>
+          <p:cNvPr id="35" name="TextBox 34">
+            <a:extLst>
+              <a:ext uri="{FF2B5EF4-FFF2-40B4-BE49-F238E27FC236}">
+                <a16:creationId xmlns:a16="http://schemas.microsoft.com/office/drawing/2014/main" id="{4402C5D3-9CD6-E2AA-0014-562F0D4F9E3A}"/>
+              </a:ext>
+            </a:extLst>
+          </p:cNvPr>
+          <p:cNvSpPr txBox="1"/>
+          <p:nvPr/>
+        </p:nvSpPr>
+        <p:spPr>
+          <a:xfrm>
+            <a:off x="4429304" y="3934144"/>
+            <a:ext cx="298480" cy="369332"/>
+          </a:xfrm>
+          <a:prstGeom prst="rect">
+            <a:avLst/>
+          </a:prstGeom>
+          <a:noFill/>
+        </p:spPr>
+        <p:txBody>
+          <a:bodyPr wrap="none" rtlCol="0">
+            <a:spAutoFit/>
+          </a:bodyPr>
+          <a:lstStyle/>
+          <a:p>
+            <a:r>
+              <a:rPr lang="en-US" dirty="0"/>
+              <a:t>2</a:t>
+            </a:r>
+          </a:p>
+        </p:txBody>
+      </p:sp>
+      <p:sp>
+        <p:nvSpPr>
+          <p:cNvPr id="36" name="TextBox 35">
+            <a:extLst>
+              <a:ext uri="{FF2B5EF4-FFF2-40B4-BE49-F238E27FC236}">
+                <a16:creationId xmlns:a16="http://schemas.microsoft.com/office/drawing/2014/main" id="{330502C1-AE0A-1C3C-DB5D-B3C4374669E6}"/>
+              </a:ext>
+            </a:extLst>
+          </p:cNvPr>
+          <p:cNvSpPr txBox="1"/>
+          <p:nvPr/>
+        </p:nvSpPr>
+        <p:spPr>
+          <a:xfrm>
+            <a:off x="5430790" y="3934144"/>
+            <a:ext cx="301686" cy="369332"/>
+          </a:xfrm>
+          <a:prstGeom prst="rect">
+            <a:avLst/>
+          </a:prstGeom>
+          <a:noFill/>
+        </p:spPr>
+        <p:txBody>
+          <a:bodyPr wrap="none" rtlCol="0">
+            <a:spAutoFit/>
+          </a:bodyPr>
+          <a:lstStyle/>
+          <a:p>
+            <a:r>
+              <a:rPr lang="en-US" dirty="0"/>
+              <a:t>3</a:t>
+            </a:r>
+          </a:p>
+        </p:txBody>
+      </p:sp>
+      <p:sp>
+        <p:nvSpPr>
+          <p:cNvPr id="37" name="TextBox 36">
+            <a:extLst>
+              <a:ext uri="{FF2B5EF4-FFF2-40B4-BE49-F238E27FC236}">
+                <a16:creationId xmlns:a16="http://schemas.microsoft.com/office/drawing/2014/main" id="{7FCCC729-6F57-CDDE-B14F-A1B39CCC3D12}"/>
+              </a:ext>
+            </a:extLst>
+          </p:cNvPr>
+          <p:cNvSpPr txBox="1"/>
+          <p:nvPr/>
+        </p:nvSpPr>
+        <p:spPr>
+          <a:xfrm>
+            <a:off x="6459449" y="3934144"/>
+            <a:ext cx="328936" cy="369332"/>
+          </a:xfrm>
+          <a:prstGeom prst="rect">
+            <a:avLst/>
+          </a:prstGeom>
+          <a:noFill/>
+        </p:spPr>
+        <p:txBody>
+          <a:bodyPr wrap="none" rtlCol="0">
+            <a:spAutoFit/>
+          </a:bodyPr>
+          <a:lstStyle/>
+          <a:p>
+            <a:r>
+              <a:rPr lang="en-US" dirty="0"/>
+              <a:t>4</a:t>
+            </a:r>
+          </a:p>
+        </p:txBody>
+      </p:sp>
+      <p:sp>
+        <p:nvSpPr>
+          <p:cNvPr id="38" name="TextBox 37">
+            <a:extLst>
+              <a:ext uri="{FF2B5EF4-FFF2-40B4-BE49-F238E27FC236}">
+                <a16:creationId xmlns:a16="http://schemas.microsoft.com/office/drawing/2014/main" id="{EB82CF1B-3043-34F9-3799-86E18885BC9B}"/>
+              </a:ext>
+            </a:extLst>
+          </p:cNvPr>
+          <p:cNvSpPr txBox="1"/>
+          <p:nvPr/>
+        </p:nvSpPr>
+        <p:spPr>
+          <a:xfrm>
+            <a:off x="7433762" y="3934144"/>
+            <a:ext cx="311304" cy="369332"/>
+          </a:xfrm>
+          <a:prstGeom prst="rect">
+            <a:avLst/>
+          </a:prstGeom>
+          <a:noFill/>
+        </p:spPr>
+        <p:txBody>
+          <a:bodyPr wrap="none" rtlCol="0">
+            <a:spAutoFit/>
+          </a:bodyPr>
+          <a:lstStyle/>
+          <a:p>
+            <a:r>
+              <a:rPr lang="en-US" b="1" dirty="0"/>
+              <a:t>5</a:t>
+            </a:r>
+          </a:p>
+        </p:txBody>
+      </p:sp>
+      <p:sp>
+        <p:nvSpPr>
+          <p:cNvPr id="39" name="TextBox 38">
+            <a:extLst>
+              <a:ext uri="{FF2B5EF4-FFF2-40B4-BE49-F238E27FC236}">
+                <a16:creationId xmlns:a16="http://schemas.microsoft.com/office/drawing/2014/main" id="{54E94A75-83E5-6AA7-E5E6-5CC433A5C352}"/>
+              </a:ext>
+            </a:extLst>
+          </p:cNvPr>
+          <p:cNvSpPr txBox="1"/>
+          <p:nvPr/>
+        </p:nvSpPr>
+        <p:spPr>
+          <a:xfrm>
+            <a:off x="8419468" y="3934144"/>
+            <a:ext cx="328936" cy="369332"/>
+          </a:xfrm>
+          <a:prstGeom prst="rect">
+            <a:avLst/>
+          </a:prstGeom>
+          <a:noFill/>
+        </p:spPr>
+        <p:txBody>
+          <a:bodyPr wrap="none" rtlCol="0">
+            <a:spAutoFit/>
+          </a:bodyPr>
+          <a:lstStyle/>
+          <a:p>
+            <a:r>
+              <a:rPr lang="en-US" dirty="0"/>
+              <a:t>6</a:t>
+            </a:r>
+          </a:p>
+        </p:txBody>
+      </p:sp>
+      <p:sp>
+        <p:nvSpPr>
+          <p:cNvPr id="40" name="TextBox 39">
+            <a:extLst>
+              <a:ext uri="{FF2B5EF4-FFF2-40B4-BE49-F238E27FC236}">
+                <a16:creationId xmlns:a16="http://schemas.microsoft.com/office/drawing/2014/main" id="{123F8F48-2191-E538-051B-5D0E7FEA3ED3}"/>
+              </a:ext>
+            </a:extLst>
+          </p:cNvPr>
+          <p:cNvSpPr txBox="1"/>
+          <p:nvPr/>
+        </p:nvSpPr>
+        <p:spPr>
+          <a:xfrm>
+            <a:off x="9436732" y="3934144"/>
+            <a:ext cx="293670" cy="369332"/>
+          </a:xfrm>
+          <a:prstGeom prst="rect">
+            <a:avLst/>
+          </a:prstGeom>
+          <a:noFill/>
+        </p:spPr>
+        <p:txBody>
+          <a:bodyPr wrap="none" rtlCol="0">
+            <a:spAutoFit/>
+          </a:bodyPr>
+          <a:lstStyle/>
+          <a:p>
+            <a:r>
+              <a:rPr lang="en-US" dirty="0"/>
+              <a:t>7</a:t>
+            </a:r>
+          </a:p>
+        </p:txBody>
+      </p:sp>
+      <p:sp>
+        <p:nvSpPr>
+          <p:cNvPr id="41" name="Oval 40">
+            <a:extLst>
+              <a:ext uri="{FF2B5EF4-FFF2-40B4-BE49-F238E27FC236}">
+                <a16:creationId xmlns:a16="http://schemas.microsoft.com/office/drawing/2014/main" id="{2DCC2836-0FBF-A4EC-ADE9-61DE79D53D69}"/>
+              </a:ext>
+            </a:extLst>
+          </p:cNvPr>
+          <p:cNvSpPr/>
+          <p:nvPr/>
+        </p:nvSpPr>
+        <p:spPr>
+          <a:xfrm>
+            <a:off x="8748404" y="2096443"/>
+            <a:ext cx="698500" cy="698500"/>
+          </a:xfrm>
+          <a:prstGeom prst="ellipse">
+            <a:avLst/>
+          </a:prstGeom>
+        </p:spPr>
+        <p:style>
+          <a:lnRef idx="2">
+            <a:schemeClr val="accent4">
+              <a:shade val="15000"/>
+            </a:schemeClr>
+          </a:lnRef>
+          <a:fillRef idx="1">
+            <a:schemeClr val="accent4"/>
+          </a:fillRef>
+          <a:effectRef idx="0">
+            <a:schemeClr val="accent4"/>
+          </a:effectRef>
+          <a:fontRef idx="minor">
+            <a:schemeClr val="lt1"/>
+          </a:fontRef>
+        </p:style>
+        <p:txBody>
+          <a:bodyPr rtlCol="0" anchor="ctr"/>
+          <a:lstStyle/>
+          <a:p>
+            <a:pPr algn="ctr"/>
+            <a:r>
+              <a:rPr lang="en-US" sz="2800" dirty="0"/>
+              <a:t>21</a:t>
             </a:r>
           </a:p>
         </p:txBody>
@@ -15471,7 +16094,7 @@
           <p:cNvPr id="4" name="Arrow: Up 3">
             <a:extLst>
               <a:ext uri="{FF2B5EF4-FFF2-40B4-BE49-F238E27FC236}">
-                <a16:creationId xmlns:a16="http://schemas.microsoft.com/office/drawing/2014/main" id="{4C44CC31-532F-66A2-2D8C-2226FB2ACF63}"/>
+                <a16:creationId xmlns:a16="http://schemas.microsoft.com/office/drawing/2014/main" id="{068BF4FD-6903-4E5E-7F32-4396830E371D}"/>
               </a:ext>
             </a:extLst>
           </p:cNvPr>
@@ -15480,7 +16103,7 @@
         </p:nvSpPr>
         <p:spPr>
           <a:xfrm>
-            <a:off x="5547483" y="2449914"/>
+            <a:off x="8993416" y="5221050"/>
             <a:ext cx="1276314" cy="836850"/>
           </a:xfrm>
           <a:prstGeom prst="upArrow">
@@ -15513,7 +16136,7 @@
             <a:pPr algn="ctr"/>
             <a:r>
               <a:rPr lang="en-US" dirty="0"/>
-              <a:t>MAX</a:t>
+              <a:t>HI</a:t>
             </a:r>
           </a:p>
         </p:txBody>
@@ -15523,7 +16146,7 @@
           <p:cNvPr id="5" name="Arrow: Up 4">
             <a:extLst>
               <a:ext uri="{FF2B5EF4-FFF2-40B4-BE49-F238E27FC236}">
-                <a16:creationId xmlns:a16="http://schemas.microsoft.com/office/drawing/2014/main" id="{DAE7305E-8E4C-E3A5-4F24-CA262313F8BC}"/>
+                <a16:creationId xmlns:a16="http://schemas.microsoft.com/office/drawing/2014/main" id="{C072E1EE-1D7F-EEE9-A4FA-10BB5704FB4A}"/>
               </a:ext>
             </a:extLst>
           </p:cNvPr>
@@ -15532,7 +16155,7 @@
         </p:nvSpPr>
         <p:spPr>
           <a:xfrm>
-            <a:off x="2539827" y="2449914"/>
+            <a:off x="5985760" y="5221050"/>
             <a:ext cx="1276314" cy="836850"/>
           </a:xfrm>
           <a:prstGeom prst="upArrow">
@@ -15565,17 +16188,69 @@
             <a:pPr algn="ctr"/>
             <a:r>
               <a:rPr lang="en-US" dirty="0"/>
-              <a:t>MIN</a:t>
-            </a:r>
-          </a:p>
-        </p:txBody>
-      </p:sp>
-      <p:sp>
-        <p:nvSpPr>
-          <p:cNvPr id="6" name="TextBox 5">
-            <a:extLst>
-              <a:ext uri="{FF2B5EF4-FFF2-40B4-BE49-F238E27FC236}">
-                <a16:creationId xmlns:a16="http://schemas.microsoft.com/office/drawing/2014/main" id="{499F2190-0303-4651-2D65-377D96E73CD1}"/>
+              <a:t>LO</a:t>
+            </a:r>
+          </a:p>
+        </p:txBody>
+      </p:sp>
+      <p:sp>
+        <p:nvSpPr>
+          <p:cNvPr id="7" name="Arrow: Up 6">
+            <a:extLst>
+              <a:ext uri="{FF2B5EF4-FFF2-40B4-BE49-F238E27FC236}">
+                <a16:creationId xmlns:a16="http://schemas.microsoft.com/office/drawing/2014/main" id="{C4A16D78-3313-905B-65E5-93D275E95DE1}"/>
+              </a:ext>
+            </a:extLst>
+          </p:cNvPr>
+          <p:cNvSpPr/>
+          <p:nvPr/>
+        </p:nvSpPr>
+        <p:spPr>
+          <a:xfrm>
+            <a:off x="6947249" y="5221050"/>
+            <a:ext cx="1276314" cy="836850"/>
+          </a:xfrm>
+          <a:prstGeom prst="upArrow">
+            <a:avLst>
+              <a:gd name="adj1" fmla="val 56531"/>
+              <a:gd name="adj2" fmla="val 50833"/>
+            </a:avLst>
+          </a:prstGeom>
+        </p:spPr>
+        <p:style>
+          <a:lnRef idx="2">
+            <a:schemeClr val="accent6">
+              <a:shade val="15000"/>
+            </a:schemeClr>
+          </a:lnRef>
+          <a:fillRef idx="1">
+            <a:schemeClr val="accent6"/>
+          </a:fillRef>
+          <a:effectRef idx="0">
+            <a:schemeClr val="accent6"/>
+          </a:effectRef>
+          <a:fontRef idx="minor">
+            <a:schemeClr val="lt1"/>
+          </a:fontRef>
+        </p:style>
+        <p:txBody>
+          <a:bodyPr rtlCol="0" anchor="ctr"/>
+          <a:lstStyle/>
+          <a:p>
+            <a:pPr algn="ctr"/>
+            <a:r>
+              <a:rPr lang="en-US" dirty="0"/>
+              <a:t>MID</a:t>
+            </a:r>
+          </a:p>
+        </p:txBody>
+      </p:sp>
+      <p:sp>
+        <p:nvSpPr>
+          <p:cNvPr id="8" name="TextBox 7">
+            <a:extLst>
+              <a:ext uri="{FF2B5EF4-FFF2-40B4-BE49-F238E27FC236}">
+                <a16:creationId xmlns:a16="http://schemas.microsoft.com/office/drawing/2014/main" id="{B7423851-1FC2-AF85-07D4-160D9AA872A2}"/>
               </a:ext>
             </a:extLst>
           </p:cNvPr>
@@ -15584,8 +16259,8 @@
         </p:nvSpPr>
         <p:spPr>
           <a:xfrm>
-            <a:off x="1126066" y="2740665"/>
-            <a:ext cx="736099" cy="369332"/>
+            <a:off x="6672567" y="6070126"/>
+            <a:ext cx="2037737" cy="646331"/>
           </a:xfrm>
           <a:prstGeom prst="rect">
             <a:avLst/>
@@ -15600,17 +16275,197 @@
           <a:p>
             <a:r>
               <a:rPr lang="en-US" dirty="0"/>
-              <a:t>while</a:t>
-            </a:r>
-          </a:p>
-        </p:txBody>
-      </p:sp>
-      <p:sp>
-        <p:nvSpPr>
-          <p:cNvPr id="7" name="TextBox 6">
-            <a:extLst>
-              <a:ext uri="{FF2B5EF4-FFF2-40B4-BE49-F238E27FC236}">
-                <a16:creationId xmlns:a16="http://schemas.microsoft.com/office/drawing/2014/main" id="{3DF0E5C7-3C1F-3BC6-AC72-996E4881E689}"/>
+              <a:t>(halfway between</a:t>
+            </a:r>
+          </a:p>
+          <a:p>
+            <a:r>
+              <a:rPr lang="en-US" dirty="0"/>
+              <a:t>HI and LO)</a:t>
+            </a:r>
+          </a:p>
+        </p:txBody>
+      </p:sp>
+    </p:spTree>
+    <p:extLst>
+      <p:ext uri="{BB962C8B-B14F-4D97-AF65-F5344CB8AC3E}">
+        <p14:creationId xmlns:p14="http://schemas.microsoft.com/office/powerpoint/2010/main" val="1692934582"/>
+      </p:ext>
+    </p:extLst>
+  </p:cSld>
+  <p:clrMapOvr>
+    <a:masterClrMapping/>
+  </p:clrMapOvr>
+  <mc:AlternateContent xmlns:mc="http://schemas.openxmlformats.org/markup-compatibility/2006">
+    <mc:Choice xmlns:p159="http://schemas.microsoft.com/office/powerpoint/2015/09/main" Requires="p159">
+      <p:transition>
+        <p159:morph option="byObject"/>
+      </p:transition>
+    </mc:Choice>
+    <mc:Fallback>
+      <p:transition>
+        <p:fade/>
+      </p:transition>
+    </mc:Fallback>
+  </mc:AlternateContent>
+</p:sld>
+</file>
+
+<file path=ppt/slides/slide23.xml><?xml version="1.0" encoding="utf-8"?>
+<p:sld xmlns:a="http://schemas.openxmlformats.org/drawingml/2006/main" xmlns:r="http://schemas.openxmlformats.org/officeDocument/2006/relationships" xmlns:p="http://schemas.openxmlformats.org/presentationml/2006/main">
+  <p:cSld>
+    <p:spTree>
+      <p:nvGrpSpPr>
+        <p:cNvPr id="1" name=""/>
+        <p:cNvGrpSpPr/>
+        <p:nvPr/>
+      </p:nvGrpSpPr>
+      <p:grpSpPr>
+        <a:xfrm>
+          <a:off x="0" y="0"/>
+          <a:ext cx="0" cy="0"/>
+          <a:chOff x="0" y="0"/>
+          <a:chExt cx="0" cy="0"/>
+        </a:xfrm>
+      </p:grpSpPr>
+      <p:sp>
+        <p:nvSpPr>
+          <p:cNvPr id="2" name="Title 1">
+            <a:extLst>
+              <a:ext uri="{FF2B5EF4-FFF2-40B4-BE49-F238E27FC236}">
+                <a16:creationId xmlns:a16="http://schemas.microsoft.com/office/drawing/2014/main" id="{7903B2A5-DC14-26CB-08E3-F0C882FDAFD2}"/>
+              </a:ext>
+            </a:extLst>
+          </p:cNvPr>
+          <p:cNvSpPr>
+            <a:spLocks noGrp="1"/>
+          </p:cNvSpPr>
+          <p:nvPr>
+            <p:ph type="title"/>
+          </p:nvPr>
+        </p:nvSpPr>
+        <p:spPr/>
+        <p:txBody>
+          <a:bodyPr/>
+          <a:lstStyle/>
+          <a:p>
+            <a:r>
+              <a:rPr lang="en-US" dirty="0"/>
+              <a:t>Binary Search: Algorithm</a:t>
+            </a:r>
+          </a:p>
+        </p:txBody>
+      </p:sp>
+      <p:sp>
+        <p:nvSpPr>
+          <p:cNvPr id="4" name="Arrow: Up 3">
+            <a:extLst>
+              <a:ext uri="{FF2B5EF4-FFF2-40B4-BE49-F238E27FC236}">
+                <a16:creationId xmlns:a16="http://schemas.microsoft.com/office/drawing/2014/main" id="{4C44CC31-532F-66A2-2D8C-2226FB2ACF63}"/>
+              </a:ext>
+            </a:extLst>
+          </p:cNvPr>
+          <p:cNvSpPr/>
+          <p:nvPr/>
+        </p:nvSpPr>
+        <p:spPr>
+          <a:xfrm>
+            <a:off x="5547483" y="2449914"/>
+            <a:ext cx="1276314" cy="836850"/>
+          </a:xfrm>
+          <a:prstGeom prst="upArrow">
+            <a:avLst>
+              <a:gd name="adj1" fmla="val 56531"/>
+              <a:gd name="adj2" fmla="val 50833"/>
+            </a:avLst>
+          </a:prstGeom>
+        </p:spPr>
+        <p:style>
+          <a:lnRef idx="2">
+            <a:schemeClr val="accent2">
+              <a:shade val="15000"/>
+            </a:schemeClr>
+          </a:lnRef>
+          <a:fillRef idx="1">
+            <a:schemeClr val="accent2"/>
+          </a:fillRef>
+          <a:effectRef idx="0">
+            <a:schemeClr val="accent2"/>
+          </a:effectRef>
+          <a:fontRef idx="minor">
+            <a:schemeClr val="lt1"/>
+          </a:fontRef>
+        </p:style>
+        <p:txBody>
+          <a:bodyPr rtlCol="0" anchor="ctr"/>
+          <a:lstStyle/>
+          <a:p>
+            <a:pPr algn="ctr"/>
+            <a:r>
+              <a:rPr lang="en-US" dirty="0"/>
+              <a:t>HI</a:t>
+            </a:r>
+          </a:p>
+        </p:txBody>
+      </p:sp>
+      <p:sp>
+        <p:nvSpPr>
+          <p:cNvPr id="5" name="Arrow: Up 4">
+            <a:extLst>
+              <a:ext uri="{FF2B5EF4-FFF2-40B4-BE49-F238E27FC236}">
+                <a16:creationId xmlns:a16="http://schemas.microsoft.com/office/drawing/2014/main" id="{DAE7305E-8E4C-E3A5-4F24-CA262313F8BC}"/>
+              </a:ext>
+            </a:extLst>
+          </p:cNvPr>
+          <p:cNvSpPr/>
+          <p:nvPr/>
+        </p:nvSpPr>
+        <p:spPr>
+          <a:xfrm>
+            <a:off x="2539827" y="2449914"/>
+            <a:ext cx="1276314" cy="836850"/>
+          </a:xfrm>
+          <a:prstGeom prst="upArrow">
+            <a:avLst>
+              <a:gd name="adj1" fmla="val 56531"/>
+              <a:gd name="adj2" fmla="val 50833"/>
+            </a:avLst>
+          </a:prstGeom>
+        </p:spPr>
+        <p:style>
+          <a:lnRef idx="2">
+            <a:schemeClr val="accent2">
+              <a:shade val="15000"/>
+            </a:schemeClr>
+          </a:lnRef>
+          <a:fillRef idx="1">
+            <a:schemeClr val="accent2"/>
+          </a:fillRef>
+          <a:effectRef idx="0">
+            <a:schemeClr val="accent2"/>
+          </a:effectRef>
+          <a:fontRef idx="minor">
+            <a:schemeClr val="lt1"/>
+          </a:fontRef>
+        </p:style>
+        <p:txBody>
+          <a:bodyPr rtlCol="0" anchor="ctr"/>
+          <a:lstStyle/>
+          <a:p>
+            <a:pPr algn="ctr"/>
+            <a:r>
+              <a:rPr lang="en-US" dirty="0"/>
+              <a:t>LO</a:t>
+            </a:r>
+          </a:p>
+        </p:txBody>
+      </p:sp>
+      <p:sp>
+        <p:nvSpPr>
+          <p:cNvPr id="6" name="TextBox 5">
+            <a:extLst>
+              <a:ext uri="{FF2B5EF4-FFF2-40B4-BE49-F238E27FC236}">
+                <a16:creationId xmlns:a16="http://schemas.microsoft.com/office/drawing/2014/main" id="{499F2190-0303-4651-2D65-377D96E73CD1}"/>
               </a:ext>
             </a:extLst>
           </p:cNvPr>
@@ -15619,8 +16474,8 @@
         </p:nvSpPr>
         <p:spPr>
           <a:xfrm>
-            <a:off x="4313762" y="2740665"/>
-            <a:ext cx="431528" cy="369332"/>
+            <a:off x="1126066" y="2740665"/>
+            <a:ext cx="736099" cy="369332"/>
           </a:xfrm>
           <a:prstGeom prst="rect">
             <a:avLst/>
@@ -15635,6 +16490,41 @@
           <a:p>
             <a:r>
               <a:rPr lang="en-US" dirty="0"/>
+              <a:t>while</a:t>
+            </a:r>
+          </a:p>
+        </p:txBody>
+      </p:sp>
+      <p:sp>
+        <p:nvSpPr>
+          <p:cNvPr id="7" name="TextBox 6">
+            <a:extLst>
+              <a:ext uri="{FF2B5EF4-FFF2-40B4-BE49-F238E27FC236}">
+                <a16:creationId xmlns:a16="http://schemas.microsoft.com/office/drawing/2014/main" id="{3DF0E5C7-3C1F-3BC6-AC72-996E4881E689}"/>
+              </a:ext>
+            </a:extLst>
+          </p:cNvPr>
+          <p:cNvSpPr txBox="1"/>
+          <p:nvPr/>
+        </p:nvSpPr>
+        <p:spPr>
+          <a:xfrm>
+            <a:off x="4313762" y="2740665"/>
+            <a:ext cx="431528" cy="369332"/>
+          </a:xfrm>
+          <a:prstGeom prst="rect">
+            <a:avLst/>
+          </a:prstGeom>
+          <a:noFill/>
+        </p:spPr>
+        <p:txBody>
+          <a:bodyPr wrap="none" rtlCol="0">
+            <a:spAutoFit/>
+          </a:bodyPr>
+          <a:lstStyle/>
+          <a:p>
+            <a:r>
+              <a:rPr lang="en-US" dirty="0"/>
               <a:t>&lt;=</a:t>
             </a:r>
           </a:p>
@@ -15655,7 +16545,7 @@
         <p:spPr>
           <a:xfrm>
             <a:off x="1583266" y="3429000"/>
-            <a:ext cx="8170827" cy="1699183"/>
+            <a:ext cx="7747634" cy="1699183"/>
           </a:xfrm>
           <a:prstGeom prst="rect">
             <a:avLst/>
@@ -15675,7 +16565,7 @@
             </a:pPr>
             <a:r>
               <a:rPr lang="en-US" dirty="0"/>
-              <a:t>check target with		 	(element halfway between MIN and MAX)</a:t>
+              <a:t>check target with		 	(element halfway between LO and HI)</a:t>
             </a:r>
           </a:p>
           <a:p>
@@ -15688,7 +16578,7 @@
             </a:pPr>
             <a:r>
               <a:rPr lang="en-US" dirty="0"/>
-              <a:t>If equal, return current index</a:t>
+              <a:t>If equal, return MID index</a:t>
             </a:r>
           </a:p>
           <a:p>
@@ -15701,7 +16591,7 @@
             </a:pPr>
             <a:r>
               <a:rPr lang="en-US" dirty="0"/>
-              <a:t>If greater than target, increase MIN to current index + 1</a:t>
+              <a:t>If target &gt; MID element, increase LO to MID + 1</a:t>
             </a:r>
           </a:p>
           <a:p>
@@ -15714,7 +16604,7 @@
             </a:pPr>
             <a:r>
               <a:rPr lang="en-US" dirty="0"/>
-              <a:t>Else, decrease MAX to current index - 1</a:t>
+              <a:t>Else, decrease HI to MID - 1</a:t>
             </a:r>
           </a:p>
         </p:txBody>
@@ -16585,7 +17475,7 @@
               <a:pPr algn="ctr"/>
               <a:r>
                 <a:rPr lang="en-US" sz="600" dirty="0"/>
-                <a:t>MAX</a:t>
+                <a:t>HI</a:t>
               </a:r>
             </a:p>
           </p:txBody>
@@ -16637,7 +17527,7 @@
               <a:pPr algn="ctr"/>
               <a:r>
                 <a:rPr lang="en-US" sz="600" dirty="0"/>
-                <a:t>MIN</a:t>
+                <a:t>LO</a:t>
               </a:r>
             </a:p>
           </p:txBody>
@@ -16689,7 +17579,7 @@
               <a:pPr algn="ctr"/>
               <a:r>
                 <a:rPr lang="en-US" sz="600" dirty="0"/>
-                <a:t>CUR</a:t>
+                <a:t>MID</a:t>
               </a:r>
             </a:p>
           </p:txBody>
@@ -16730,7 +17620,7 @@
             <a:p>
               <a:r>
                 <a:rPr lang="en-US" sz="800" dirty="0"/>
-                <a:t>MAX and MIN)</a:t>
+                <a:t>HI and LO)</a:t>
               </a:r>
             </a:p>
           </p:txBody>
@@ -16867,7 +17757,7 @@
             <a:pPr algn="ctr"/>
             <a:r>
               <a:rPr lang="en-US" sz="1400" dirty="0"/>
-              <a:t>CUR</a:t>
+              <a:t>MID</a:t>
             </a:r>
           </a:p>
         </p:txBody>
@@ -16911,105 +17801,6 @@
     <p:extLst>
       <p:ext uri="{BB962C8B-B14F-4D97-AF65-F5344CB8AC3E}">
         <p14:creationId xmlns:p14="http://schemas.microsoft.com/office/powerpoint/2010/main" val="4290780694"/>
-      </p:ext>
-    </p:extLst>
-  </p:cSld>
-  <p:clrMapOvr>
-    <a:masterClrMapping/>
-  </p:clrMapOvr>
-</p:sld>
-</file>
-
-<file path=ppt/slides/slide23.xml><?xml version="1.0" encoding="utf-8"?>
-<p:sld xmlns:a="http://schemas.openxmlformats.org/drawingml/2006/main" xmlns:r="http://schemas.openxmlformats.org/officeDocument/2006/relationships" xmlns:p="http://schemas.openxmlformats.org/presentationml/2006/main">
-  <p:cSld>
-    <p:spTree>
-      <p:nvGrpSpPr>
-        <p:cNvPr id="1" name=""/>
-        <p:cNvGrpSpPr/>
-        <p:nvPr/>
-      </p:nvGrpSpPr>
-      <p:grpSpPr>
-        <a:xfrm>
-          <a:off x="0" y="0"/>
-          <a:ext cx="0" cy="0"/>
-          <a:chOff x="0" y="0"/>
-          <a:chExt cx="0" cy="0"/>
-        </a:xfrm>
-      </p:grpSpPr>
-      <p:sp>
-        <p:nvSpPr>
-          <p:cNvPr id="2" name="Title 1">
-            <a:extLst>
-              <a:ext uri="{FF2B5EF4-FFF2-40B4-BE49-F238E27FC236}">
-                <a16:creationId xmlns:a16="http://schemas.microsoft.com/office/drawing/2014/main" id="{02AEEBDA-E379-652D-2F0C-FFB9C05A9F9D}"/>
-              </a:ext>
-            </a:extLst>
-          </p:cNvPr>
-          <p:cNvSpPr>
-            <a:spLocks noGrp="1"/>
-          </p:cNvSpPr>
-          <p:nvPr>
-            <p:ph type="title"/>
-          </p:nvPr>
-        </p:nvSpPr>
-        <p:spPr/>
-        <p:txBody>
-          <a:bodyPr/>
-          <a:lstStyle/>
-          <a:p>
-            <a:r>
-              <a:rPr lang="en-US" dirty="0"/>
-              <a:t>Binary Search: Code</a:t>
-            </a:r>
-          </a:p>
-        </p:txBody>
-      </p:sp>
-      <p:sp>
-        <p:nvSpPr>
-          <p:cNvPr id="3" name="TextBox 2">
-            <a:extLst>
-              <a:ext uri="{FF2B5EF4-FFF2-40B4-BE49-F238E27FC236}">
-                <a16:creationId xmlns:a16="http://schemas.microsoft.com/office/drawing/2014/main" id="{9EF7CECD-B6F6-32E4-DC6B-6C53A718DC68}"/>
-              </a:ext>
-            </a:extLst>
-          </p:cNvPr>
-          <p:cNvSpPr txBox="1"/>
-          <p:nvPr/>
-        </p:nvSpPr>
-        <p:spPr>
-          <a:xfrm>
-            <a:off x="1652315" y="6123543"/>
-            <a:ext cx="8887369" cy="369332"/>
-          </a:xfrm>
-          <a:prstGeom prst="rect">
-            <a:avLst/>
-          </a:prstGeom>
-          <a:noFill/>
-        </p:spPr>
-        <p:txBody>
-          <a:bodyPr wrap="none" rtlCol="0">
-            <a:spAutoFit/>
-          </a:bodyPr>
-          <a:lstStyle/>
-          <a:p>
-            <a:r>
-              <a:rPr lang="en-US" dirty="0">
-                <a:solidFill>
-                  <a:schemeClr val="bg2">
-                    <a:lumMod val="75000"/>
-                  </a:schemeClr>
-                </a:solidFill>
-              </a:rPr>
-              <a:t>(you are welcome to follow along and write code, or not – the examples will be posted)</a:t>
-            </a:r>
-          </a:p>
-        </p:txBody>
-      </p:sp>
-    </p:spTree>
-    <p:extLst>
-      <p:ext uri="{BB962C8B-B14F-4D97-AF65-F5344CB8AC3E}">
-        <p14:creationId xmlns:p14="http://schemas.microsoft.com/office/powerpoint/2010/main" val="3911634467"/>
       </p:ext>
     </p:extLst>
   </p:cSld>
@@ -17041,6 +17832,105 @@
           <p:cNvPr id="2" name="Title 1">
             <a:extLst>
               <a:ext uri="{FF2B5EF4-FFF2-40B4-BE49-F238E27FC236}">
+                <a16:creationId xmlns:a16="http://schemas.microsoft.com/office/drawing/2014/main" id="{02AEEBDA-E379-652D-2F0C-FFB9C05A9F9D}"/>
+              </a:ext>
+            </a:extLst>
+          </p:cNvPr>
+          <p:cNvSpPr>
+            <a:spLocks noGrp="1"/>
+          </p:cNvSpPr>
+          <p:nvPr>
+            <p:ph type="title"/>
+          </p:nvPr>
+        </p:nvSpPr>
+        <p:spPr/>
+        <p:txBody>
+          <a:bodyPr/>
+          <a:lstStyle/>
+          <a:p>
+            <a:r>
+              <a:rPr lang="en-US" dirty="0"/>
+              <a:t>Binary Search: Code</a:t>
+            </a:r>
+          </a:p>
+        </p:txBody>
+      </p:sp>
+      <p:sp>
+        <p:nvSpPr>
+          <p:cNvPr id="3" name="TextBox 2">
+            <a:extLst>
+              <a:ext uri="{FF2B5EF4-FFF2-40B4-BE49-F238E27FC236}">
+                <a16:creationId xmlns:a16="http://schemas.microsoft.com/office/drawing/2014/main" id="{9EF7CECD-B6F6-32E4-DC6B-6C53A718DC68}"/>
+              </a:ext>
+            </a:extLst>
+          </p:cNvPr>
+          <p:cNvSpPr txBox="1"/>
+          <p:nvPr/>
+        </p:nvSpPr>
+        <p:spPr>
+          <a:xfrm>
+            <a:off x="1652315" y="1506022"/>
+            <a:ext cx="8887369" cy="369332"/>
+          </a:xfrm>
+          <a:prstGeom prst="rect">
+            <a:avLst/>
+          </a:prstGeom>
+          <a:noFill/>
+        </p:spPr>
+        <p:txBody>
+          <a:bodyPr wrap="none" rtlCol="0">
+            <a:spAutoFit/>
+          </a:bodyPr>
+          <a:lstStyle/>
+          <a:p>
+            <a:r>
+              <a:rPr lang="en-US" dirty="0">
+                <a:solidFill>
+                  <a:schemeClr val="bg2">
+                    <a:lumMod val="75000"/>
+                  </a:schemeClr>
+                </a:solidFill>
+              </a:rPr>
+              <a:t>(you are welcome to follow along and write code, or not – the examples will be posted)</a:t>
+            </a:r>
+          </a:p>
+        </p:txBody>
+      </p:sp>
+    </p:spTree>
+    <p:extLst>
+      <p:ext uri="{BB962C8B-B14F-4D97-AF65-F5344CB8AC3E}">
+        <p14:creationId xmlns:p14="http://schemas.microsoft.com/office/powerpoint/2010/main" val="3911634467"/>
+      </p:ext>
+    </p:extLst>
+  </p:cSld>
+  <p:clrMapOvr>
+    <a:masterClrMapping/>
+  </p:clrMapOvr>
+</p:sld>
+</file>
+
+<file path=ppt/slides/slide25.xml><?xml version="1.0" encoding="utf-8"?>
+<p:sld xmlns:a="http://schemas.openxmlformats.org/drawingml/2006/main" xmlns:r="http://schemas.openxmlformats.org/officeDocument/2006/relationships" xmlns:p="http://schemas.openxmlformats.org/presentationml/2006/main">
+  <p:cSld>
+    <p:spTree>
+      <p:nvGrpSpPr>
+        <p:cNvPr id="1" name=""/>
+        <p:cNvGrpSpPr/>
+        <p:nvPr/>
+      </p:nvGrpSpPr>
+      <p:grpSpPr>
+        <a:xfrm>
+          <a:off x="0" y="0"/>
+          <a:ext cx="0" cy="0"/>
+          <a:chOff x="0" y="0"/>
+          <a:chExt cx="0" cy="0"/>
+        </a:xfrm>
+      </p:grpSpPr>
+      <p:sp>
+        <p:nvSpPr>
+          <p:cNvPr id="2" name="Title 1">
+            <a:extLst>
+              <a:ext uri="{FF2B5EF4-FFF2-40B4-BE49-F238E27FC236}">
                 <a16:creationId xmlns:a16="http://schemas.microsoft.com/office/drawing/2014/main" id="{7903B2A5-DC14-26CB-08E3-F0C882FDAFD2}"/>
               </a:ext>
             </a:extLst>
@@ -17111,7 +18001,7 @@
             <a:pPr algn="ctr"/>
             <a:r>
               <a:rPr lang="en-US" dirty="0"/>
-              <a:t>MAX</a:t>
+              <a:t>HI</a:t>
             </a:r>
           </a:p>
         </p:txBody>
@@ -17163,7 +18053,7 @@
             <a:pPr algn="ctr"/>
             <a:r>
               <a:rPr lang="en-US" dirty="0"/>
-              <a:t>MIN</a:t>
+              <a:t>LO</a:t>
             </a:r>
           </a:p>
         </p:txBody>
@@ -17253,7 +18143,7 @@
         <p:spPr>
           <a:xfrm>
             <a:off x="1583266" y="3429000"/>
-            <a:ext cx="8170827" cy="1699183"/>
+            <a:ext cx="7747634" cy="1699183"/>
           </a:xfrm>
           <a:prstGeom prst="rect">
             <a:avLst/>
@@ -17273,7 +18163,7 @@
             </a:pPr>
             <a:r>
               <a:rPr lang="en-US" dirty="0"/>
-              <a:t>check target with		 	(element halfway between MIN and MAX)</a:t>
+              <a:t>check target with		 	(element halfway between LO and HI)</a:t>
             </a:r>
           </a:p>
           <a:p>
@@ -17286,7 +18176,7 @@
             </a:pPr>
             <a:r>
               <a:rPr lang="en-US" dirty="0"/>
-              <a:t>If equal, return current index</a:t>
+              <a:t>If equal, return MID index</a:t>
             </a:r>
           </a:p>
           <a:p>
@@ -17299,7 +18189,7 @@
             </a:pPr>
             <a:r>
               <a:rPr lang="en-US" dirty="0"/>
-              <a:t>If greater than target, increase MIN to current index + 1</a:t>
+              <a:t>If target &gt; MID element, increase LO to MID + 1</a:t>
             </a:r>
           </a:p>
           <a:p>
@@ -17312,7 +18202,7 @@
             </a:pPr>
             <a:r>
               <a:rPr lang="en-US" dirty="0"/>
-              <a:t>Else, decrease MAX to current index - 1</a:t>
+              <a:t>Else, decrease HI to MID - 1</a:t>
             </a:r>
           </a:p>
         </p:txBody>
@@ -18183,7 +19073,7 @@
               <a:pPr algn="ctr"/>
               <a:r>
                 <a:rPr lang="en-US" sz="600" dirty="0"/>
-                <a:t>MAX</a:t>
+                <a:t>HI</a:t>
               </a:r>
             </a:p>
           </p:txBody>
@@ -18235,7 +19125,7 @@
               <a:pPr algn="ctr"/>
               <a:r>
                 <a:rPr lang="en-US" sz="600" dirty="0"/>
-                <a:t>MIN</a:t>
+                <a:t>LO</a:t>
               </a:r>
             </a:p>
           </p:txBody>
@@ -18287,7 +19177,7 @@
               <a:pPr algn="ctr"/>
               <a:r>
                 <a:rPr lang="en-US" sz="600" dirty="0"/>
-                <a:t>CUR</a:t>
+                <a:t>MID</a:t>
               </a:r>
             </a:p>
           </p:txBody>
@@ -18328,7 +19218,7 @@
             <a:p>
               <a:r>
                 <a:rPr lang="en-US" sz="800" dirty="0"/>
-                <a:t>MAX and MIN)</a:t>
+                <a:t>HI and LO)</a:t>
               </a:r>
             </a:p>
           </p:txBody>
@@ -18465,7 +19355,7 @@
             <a:pPr algn="ctr"/>
             <a:r>
               <a:rPr lang="en-US" sz="1400" dirty="0"/>
-              <a:t>CUR</a:t>
+              <a:t>MID</a:t>
             </a:r>
           </a:p>
         </p:txBody>
@@ -18508,7 +19398,7 @@
     </p:spTree>
     <p:extLst>
       <p:ext uri="{BB962C8B-B14F-4D97-AF65-F5344CB8AC3E}">
-        <p14:creationId xmlns:p14="http://schemas.microsoft.com/office/powerpoint/2010/main" val="2812170190"/>
+        <p14:creationId xmlns:p14="http://schemas.microsoft.com/office/powerpoint/2010/main" val="3071324884"/>
       </p:ext>
     </p:extLst>
   </p:cSld>
@@ -18518,7 +19408,7 @@
 </p:sld>
 </file>
 
-<file path=ppt/slides/slide25.xml><?xml version="1.0" encoding="utf-8"?>
+<file path=ppt/slides/slide26.xml><?xml version="1.0" encoding="utf-8"?>
 <p:sld xmlns:a="http://schemas.openxmlformats.org/drawingml/2006/main" xmlns:r="http://schemas.openxmlformats.org/officeDocument/2006/relationships" xmlns:p="http://schemas.openxmlformats.org/presentationml/2006/main">
   <p:cSld>
     <p:spTree>
@@ -18610,7 +19500,7 @@
             <a:pPr algn="ctr"/>
             <a:r>
               <a:rPr lang="en-US" dirty="0"/>
-              <a:t>MAX</a:t>
+              <a:t>HI</a:t>
             </a:r>
           </a:p>
         </p:txBody>
@@ -18662,7 +19552,7 @@
             <a:pPr algn="ctr"/>
             <a:r>
               <a:rPr lang="en-US" dirty="0"/>
-              <a:t>MIN</a:t>
+              <a:t>LO</a:t>
             </a:r>
           </a:p>
         </p:txBody>
@@ -18756,7 +19646,7 @@
         <p:spPr>
           <a:xfrm>
             <a:off x="1126066" y="3460690"/>
-            <a:ext cx="8170827" cy="1699183"/>
+            <a:ext cx="7747634" cy="1699183"/>
           </a:xfrm>
           <a:prstGeom prst="rect">
             <a:avLst/>
@@ -18776,7 +19666,7 @@
             </a:pPr>
             <a:r>
               <a:rPr lang="en-US" dirty="0"/>
-              <a:t>check target with		 	(element halfway between MIN and MAX)</a:t>
+              <a:t>check target with		 	(element halfway between LO and HI)</a:t>
             </a:r>
           </a:p>
           <a:p>
@@ -18793,7 +19683,7 @@
             </a:r>
             <a:r>
               <a:rPr lang="en-US" dirty="0"/>
-              <a:t>If equal, return current index</a:t>
+              <a:t>If equal, return MID index</a:t>
             </a:r>
           </a:p>
           <a:p>
@@ -18810,7 +19700,7 @@
             </a:r>
             <a:r>
               <a:rPr lang="en-US" dirty="0"/>
-              <a:t>If greater than target, increase MIN to current index + 1</a:t>
+              <a:t>If target &gt; MID element, increase LO to MID + 1</a:t>
             </a:r>
           </a:p>
           <a:p>
@@ -18827,7 +19717,7 @@
             </a:r>
             <a:r>
               <a:rPr lang="en-US" dirty="0"/>
-              <a:t>Else, decrease MAX to current index - 1</a:t>
+              <a:t>Else, decrease HI to MID - 1</a:t>
             </a:r>
           </a:p>
         </p:txBody>
@@ -19698,7 +20588,7 @@
               <a:pPr algn="ctr"/>
               <a:r>
                 <a:rPr lang="en-US" sz="600" dirty="0"/>
-                <a:t>MAX</a:t>
+                <a:t>HI</a:t>
               </a:r>
             </a:p>
           </p:txBody>
@@ -19750,7 +20640,7 @@
               <a:pPr algn="ctr"/>
               <a:r>
                 <a:rPr lang="en-US" sz="600" dirty="0"/>
-                <a:t>MIN</a:t>
+                <a:t>LO</a:t>
               </a:r>
             </a:p>
           </p:txBody>
@@ -19802,7 +20692,7 @@
               <a:pPr algn="ctr"/>
               <a:r>
                 <a:rPr lang="en-US" sz="600" dirty="0"/>
-                <a:t>CUR</a:t>
+                <a:t>MID</a:t>
               </a:r>
             </a:p>
           </p:txBody>
@@ -19843,7 +20733,7 @@
             <a:p>
               <a:r>
                 <a:rPr lang="en-US" sz="800" dirty="0"/>
-                <a:t>MAX and MIN)</a:t>
+                <a:t>HI and LO)</a:t>
               </a:r>
             </a:p>
           </p:txBody>
@@ -19980,7 +20870,7 @@
             <a:pPr algn="ctr"/>
             <a:r>
               <a:rPr lang="en-US" sz="1400" dirty="0"/>
-              <a:t>CUR</a:t>
+              <a:t>MID</a:t>
             </a:r>
           </a:p>
         </p:txBody>
@@ -20033,7 +20923,7 @@
 </p:sld>
 </file>
 
-<file path=ppt/slides/slide26.xml><?xml version="1.0" encoding="utf-8"?>
+<file path=ppt/slides/slide27.xml><?xml version="1.0" encoding="utf-8"?>
 <p:sld xmlns:a="http://schemas.openxmlformats.org/drawingml/2006/main" xmlns:r="http://schemas.openxmlformats.org/officeDocument/2006/relationships" xmlns:p="http://schemas.openxmlformats.org/presentationml/2006/main">
   <p:cSld>
     <p:spTree>
@@ -20742,7 +21632,7 @@
 </p:sld>
 </file>
 
-<file path=ppt/slides/slide27.xml><?xml version="1.0" encoding="utf-8"?>
+<file path=ppt/slides/slide28.xml><?xml version="1.0" encoding="utf-8"?>
 <p:sld xmlns:a="http://schemas.openxmlformats.org/drawingml/2006/main" xmlns:r="http://schemas.openxmlformats.org/officeDocument/2006/relationships" xmlns:p="http://schemas.openxmlformats.org/presentationml/2006/main">
   <p:cSld>
     <p:spTree>
@@ -20837,7 +21727,7 @@
 </p:sld>
 </file>
 
-<file path=ppt/slides/slide28.xml><?xml version="1.0" encoding="utf-8"?>
+<file path=ppt/slides/slide29.xml><?xml version="1.0" encoding="utf-8"?>
 <p:sld xmlns:a="http://schemas.openxmlformats.org/drawingml/2006/main" xmlns:r="http://schemas.openxmlformats.org/officeDocument/2006/relationships" xmlns:p="http://schemas.openxmlformats.org/presentationml/2006/main">
   <p:cSld>
     <p:spTree>
@@ -21205,7 +22095,7 @@
           <p:cNvPr id="2" name="Title 1">
             <a:extLst>
               <a:ext uri="{FF2B5EF4-FFF2-40B4-BE49-F238E27FC236}">
-                <a16:creationId xmlns:a16="http://schemas.microsoft.com/office/drawing/2014/main" id="{4024461E-D367-6D94-99D0-A037CEC82BA3}"/>
+                <a16:creationId xmlns:a16="http://schemas.microsoft.com/office/drawing/2014/main" id="{CEC90B7E-076F-5B3F-858A-2EB03C2A3020}"/>
               </a:ext>
             </a:extLst>
           </p:cNvPr>
@@ -21223,59 +22113,183 @@
           <a:p>
             <a:r>
               <a:rPr lang="en-US" dirty="0"/>
-              <a:t>Roadmap</a:t>
-            </a:r>
-          </a:p>
-        </p:txBody>
-      </p:sp>
-      <p:sp>
-        <p:nvSpPr>
-          <p:cNvPr id="3" name="Content Placeholder 2">
-            <a:extLst>
-              <a:ext uri="{FF2B5EF4-FFF2-40B4-BE49-F238E27FC236}">
-                <a16:creationId xmlns:a16="http://schemas.microsoft.com/office/drawing/2014/main" id="{4E321DB2-5BB0-C64E-4F96-14950B559A07}"/>
-              </a:ext>
-            </a:extLst>
-          </p:cNvPr>
-          <p:cNvSpPr>
-            <a:spLocks noGrp="1"/>
-          </p:cNvSpPr>
+              <a:t>What are search algorithms?</a:t>
+            </a:r>
+          </a:p>
+        </p:txBody>
+      </p:sp>
+      <p:pic>
+        <p:nvPicPr>
+          <p:cNvPr id="5" name="Content Placeholder 4">
+            <a:extLst>
+              <a:ext uri="{FF2B5EF4-FFF2-40B4-BE49-F238E27FC236}">
+                <a16:creationId xmlns:a16="http://schemas.microsoft.com/office/drawing/2014/main" id="{B68FAE04-3779-FA1D-D613-B7D5CD061D4A}"/>
+              </a:ext>
+            </a:extLst>
+          </p:cNvPr>
+          <p:cNvPicPr>
+            <a:picLocks noGrp="1" noChangeAspect="1"/>
+          </p:cNvPicPr>
           <p:nvPr>
             <p:ph idx="1"/>
           </p:nvPr>
-        </p:nvSpPr>
-        <p:spPr/>
-        <p:txBody>
-          <a:bodyPr/>
-          <a:lstStyle/>
-          <a:p>
-            <a:r>
-              <a:rPr lang="en-US" dirty="0">
-                <a:solidFill>
-                  <a:schemeClr val="bg2">
-                    <a:lumMod val="75000"/>
-                  </a:schemeClr>
-                </a:solidFill>
-              </a:rPr>
-              <a:t>Introductions &amp; Expectations</a:t>
-            </a:r>
-          </a:p>
-          <a:p>
-            <a:r>
-              <a:rPr lang="en-US" dirty="0"/>
-              <a:t>Linear Search (quickly)</a:t>
-            </a:r>
-          </a:p>
-          <a:p>
-            <a:r>
-              <a:rPr lang="en-US" dirty="0"/>
-              <a:t>Binary Search (the rest)</a:t>
-            </a:r>
-          </a:p>
-          <a:p>
-            <a:r>
-              <a:rPr lang="en-US" dirty="0"/>
-              <a:t>Exercises &amp; Reflections (async)</a:t>
+        </p:nvPicPr>
+        <p:blipFill>
+          <a:blip r:embed="rId2"/>
+          <a:stretch>
+            <a:fillRect/>
+          </a:stretch>
+        </p:blipFill>
+        <p:spPr>
+          <a:xfrm>
+            <a:off x="1398920" y="1961654"/>
+            <a:ext cx="4500424" cy="3664975"/>
+          </a:xfrm>
+        </p:spPr>
+      </p:pic>
+      <p:pic>
+        <p:nvPicPr>
+          <p:cNvPr id="7" name="Picture 6">
+            <a:extLst>
+              <a:ext uri="{FF2B5EF4-FFF2-40B4-BE49-F238E27FC236}">
+                <a16:creationId xmlns:a16="http://schemas.microsoft.com/office/drawing/2014/main" id="{2AB58C19-1FB8-F36A-187E-BB099BA1F45F}"/>
+              </a:ext>
+            </a:extLst>
+          </p:cNvPr>
+          <p:cNvPicPr>
+            <a:picLocks noChangeAspect="1"/>
+          </p:cNvPicPr>
+          <p:nvPr/>
+        </p:nvPicPr>
+        <p:blipFill>
+          <a:blip r:embed="rId3"/>
+          <a:stretch>
+            <a:fillRect/>
+          </a:stretch>
+        </p:blipFill>
+        <p:spPr>
+          <a:xfrm>
+            <a:off x="6525375" y="1961654"/>
+            <a:ext cx="3863072" cy="2302854"/>
+          </a:xfrm>
+          <a:prstGeom prst="rect">
+            <a:avLst/>
+          </a:prstGeom>
+        </p:spPr>
+      </p:pic>
+      <p:sp>
+        <p:nvSpPr>
+          <p:cNvPr id="8" name="TextBox 7">
+            <a:extLst>
+              <a:ext uri="{FF2B5EF4-FFF2-40B4-BE49-F238E27FC236}">
+                <a16:creationId xmlns:a16="http://schemas.microsoft.com/office/drawing/2014/main" id="{8622E43A-9361-3E61-2368-FB3BE6A2BB68}"/>
+              </a:ext>
+            </a:extLst>
+          </p:cNvPr>
+          <p:cNvSpPr txBox="1"/>
+          <p:nvPr/>
+        </p:nvSpPr>
+        <p:spPr>
+          <a:xfrm>
+            <a:off x="1278932" y="1506022"/>
+            <a:ext cx="4740400" cy="369332"/>
+          </a:xfrm>
+          <a:prstGeom prst="rect">
+            <a:avLst/>
+          </a:prstGeom>
+          <a:noFill/>
+        </p:spPr>
+        <p:txBody>
+          <a:bodyPr wrap="none" rtlCol="0">
+            <a:spAutoFit/>
+          </a:bodyPr>
+          <a:lstStyle/>
+          <a:p>
+            <a:r>
+              <a:rPr lang="en-US" dirty="0"/>
+              <a:t>Find something in a large collection of “stuff”</a:t>
+            </a:r>
+          </a:p>
+        </p:txBody>
+      </p:sp>
+      <p:sp>
+        <p:nvSpPr>
+          <p:cNvPr id="9" name="TextBox 8">
+            <a:extLst>
+              <a:ext uri="{FF2B5EF4-FFF2-40B4-BE49-F238E27FC236}">
+                <a16:creationId xmlns:a16="http://schemas.microsoft.com/office/drawing/2014/main" id="{4295688D-7367-FA9E-0028-32DAE1AA57F1}"/>
+              </a:ext>
+            </a:extLst>
+          </p:cNvPr>
+          <p:cNvSpPr txBox="1"/>
+          <p:nvPr/>
+        </p:nvSpPr>
+        <p:spPr>
+          <a:xfrm>
+            <a:off x="7381329" y="1513444"/>
+            <a:ext cx="2310248" cy="369332"/>
+          </a:xfrm>
+          <a:prstGeom prst="rect">
+            <a:avLst/>
+          </a:prstGeom>
+          <a:noFill/>
+        </p:spPr>
+        <p:txBody>
+          <a:bodyPr wrap="none" rtlCol="0">
+            <a:spAutoFit/>
+          </a:bodyPr>
+          <a:lstStyle/>
+          <a:p>
+            <a:r>
+              <a:rPr lang="en-US" dirty="0"/>
+              <a:t>Find text in an article</a:t>
+            </a:r>
+          </a:p>
+        </p:txBody>
+      </p:sp>
+      <p:sp>
+        <p:nvSpPr>
+          <p:cNvPr id="10" name="TextBox 9">
+            <a:extLst>
+              <a:ext uri="{FF2B5EF4-FFF2-40B4-BE49-F238E27FC236}">
+                <a16:creationId xmlns:a16="http://schemas.microsoft.com/office/drawing/2014/main" id="{6921B137-4820-CCD8-4421-9B2039B18675}"/>
+              </a:ext>
+            </a:extLst>
+          </p:cNvPr>
+          <p:cNvSpPr txBox="1"/>
+          <p:nvPr/>
+        </p:nvSpPr>
+        <p:spPr>
+          <a:xfrm>
+            <a:off x="7137479" y="4882891"/>
+            <a:ext cx="2638864" cy="923330"/>
+          </a:xfrm>
+          <a:prstGeom prst="rect">
+            <a:avLst/>
+          </a:prstGeom>
+          <a:noFill/>
+        </p:spPr>
+        <p:txBody>
+          <a:bodyPr wrap="none" rtlCol="0">
+            <a:spAutoFit/>
+          </a:bodyPr>
+          <a:lstStyle/>
+          <a:p>
+            <a:r>
+              <a:rPr lang="en-US" dirty="0"/>
+              <a:t>Finding shortest path,</a:t>
+            </a:r>
+          </a:p>
+          <a:p>
+            <a:r>
+              <a:rPr lang="en-US" dirty="0"/>
+              <a:t>keyboard autocomplete,</a:t>
+            </a:r>
+          </a:p>
+          <a:p>
+            <a:r>
+              <a:rPr lang="en-US" dirty="0"/>
+              <a:t>solving puzzles, …</a:t>
             </a:r>
           </a:p>
         </p:txBody>
@@ -21283,7 +22297,7 @@
     </p:spTree>
     <p:extLst>
       <p:ext uri="{BB962C8B-B14F-4D97-AF65-F5344CB8AC3E}">
-        <p14:creationId xmlns:p14="http://schemas.microsoft.com/office/powerpoint/2010/main" val="3615018704"/>
+        <p14:creationId xmlns:p14="http://schemas.microsoft.com/office/powerpoint/2010/main" val="1982268916"/>
       </p:ext>
     </p:extLst>
   </p:cSld>
@@ -21315,7 +22329,7 @@
           <p:cNvPr id="2" name="Title 1">
             <a:extLst>
               <a:ext uri="{FF2B5EF4-FFF2-40B4-BE49-F238E27FC236}">
-                <a16:creationId xmlns:a16="http://schemas.microsoft.com/office/drawing/2014/main" id="{CEC90B7E-076F-5B3F-858A-2EB03C2A3020}"/>
+                <a16:creationId xmlns:a16="http://schemas.microsoft.com/office/drawing/2014/main" id="{4024461E-D367-6D94-99D0-A037CEC82BA3}"/>
               </a:ext>
             </a:extLst>
           </p:cNvPr>
@@ -21333,183 +22347,59 @@
           <a:p>
             <a:r>
               <a:rPr lang="en-US" dirty="0"/>
-              <a:t>What are search algorithms?</a:t>
-            </a:r>
-          </a:p>
-        </p:txBody>
-      </p:sp>
-      <p:pic>
-        <p:nvPicPr>
-          <p:cNvPr id="5" name="Content Placeholder 4">
-            <a:extLst>
-              <a:ext uri="{FF2B5EF4-FFF2-40B4-BE49-F238E27FC236}">
-                <a16:creationId xmlns:a16="http://schemas.microsoft.com/office/drawing/2014/main" id="{B68FAE04-3779-FA1D-D613-B7D5CD061D4A}"/>
-              </a:ext>
-            </a:extLst>
-          </p:cNvPr>
-          <p:cNvPicPr>
-            <a:picLocks noGrp="1" noChangeAspect="1"/>
-          </p:cNvPicPr>
+              <a:t>Roadmap</a:t>
+            </a:r>
+          </a:p>
+        </p:txBody>
+      </p:sp>
+      <p:sp>
+        <p:nvSpPr>
+          <p:cNvPr id="3" name="Content Placeholder 2">
+            <a:extLst>
+              <a:ext uri="{FF2B5EF4-FFF2-40B4-BE49-F238E27FC236}">
+                <a16:creationId xmlns:a16="http://schemas.microsoft.com/office/drawing/2014/main" id="{4E321DB2-5BB0-C64E-4F96-14950B559A07}"/>
+              </a:ext>
+            </a:extLst>
+          </p:cNvPr>
+          <p:cNvSpPr>
+            <a:spLocks noGrp="1"/>
+          </p:cNvSpPr>
           <p:nvPr>
             <p:ph idx="1"/>
           </p:nvPr>
-        </p:nvPicPr>
-        <p:blipFill>
-          <a:blip r:embed="rId2"/>
-          <a:stretch>
-            <a:fillRect/>
-          </a:stretch>
-        </p:blipFill>
-        <p:spPr>
-          <a:xfrm>
-            <a:off x="1398920" y="1961654"/>
-            <a:ext cx="4500424" cy="3664975"/>
-          </a:xfrm>
-        </p:spPr>
-      </p:pic>
-      <p:pic>
-        <p:nvPicPr>
-          <p:cNvPr id="7" name="Picture 6">
-            <a:extLst>
-              <a:ext uri="{FF2B5EF4-FFF2-40B4-BE49-F238E27FC236}">
-                <a16:creationId xmlns:a16="http://schemas.microsoft.com/office/drawing/2014/main" id="{2AB58C19-1FB8-F36A-187E-BB099BA1F45F}"/>
-              </a:ext>
-            </a:extLst>
-          </p:cNvPr>
-          <p:cNvPicPr>
-            <a:picLocks noChangeAspect="1"/>
-          </p:cNvPicPr>
-          <p:nvPr/>
-        </p:nvPicPr>
-        <p:blipFill>
-          <a:blip r:embed="rId3"/>
-          <a:stretch>
-            <a:fillRect/>
-          </a:stretch>
-        </p:blipFill>
-        <p:spPr>
-          <a:xfrm>
-            <a:off x="6525375" y="1961654"/>
-            <a:ext cx="3863072" cy="2302854"/>
-          </a:xfrm>
-          <a:prstGeom prst="rect">
-            <a:avLst/>
-          </a:prstGeom>
-        </p:spPr>
-      </p:pic>
-      <p:sp>
-        <p:nvSpPr>
-          <p:cNvPr id="8" name="TextBox 7">
-            <a:extLst>
-              <a:ext uri="{FF2B5EF4-FFF2-40B4-BE49-F238E27FC236}">
-                <a16:creationId xmlns:a16="http://schemas.microsoft.com/office/drawing/2014/main" id="{8622E43A-9361-3E61-2368-FB3BE6A2BB68}"/>
-              </a:ext>
-            </a:extLst>
-          </p:cNvPr>
-          <p:cNvSpPr txBox="1"/>
-          <p:nvPr/>
-        </p:nvSpPr>
-        <p:spPr>
-          <a:xfrm>
-            <a:off x="1278932" y="1506022"/>
-            <a:ext cx="4740400" cy="369332"/>
-          </a:xfrm>
-          <a:prstGeom prst="rect">
-            <a:avLst/>
-          </a:prstGeom>
-          <a:noFill/>
-        </p:spPr>
-        <p:txBody>
-          <a:bodyPr wrap="none" rtlCol="0">
-            <a:spAutoFit/>
-          </a:bodyPr>
-          <a:lstStyle/>
-          <a:p>
-            <a:r>
-              <a:rPr lang="en-US" dirty="0"/>
-              <a:t>Find something in a large collection of “stuff”</a:t>
-            </a:r>
-          </a:p>
-        </p:txBody>
-      </p:sp>
-      <p:sp>
-        <p:nvSpPr>
-          <p:cNvPr id="9" name="TextBox 8">
-            <a:extLst>
-              <a:ext uri="{FF2B5EF4-FFF2-40B4-BE49-F238E27FC236}">
-                <a16:creationId xmlns:a16="http://schemas.microsoft.com/office/drawing/2014/main" id="{4295688D-7367-FA9E-0028-32DAE1AA57F1}"/>
-              </a:ext>
-            </a:extLst>
-          </p:cNvPr>
-          <p:cNvSpPr txBox="1"/>
-          <p:nvPr/>
-        </p:nvSpPr>
-        <p:spPr>
-          <a:xfrm>
-            <a:off x="7381329" y="1513444"/>
-            <a:ext cx="2310248" cy="369332"/>
-          </a:xfrm>
-          <a:prstGeom prst="rect">
-            <a:avLst/>
-          </a:prstGeom>
-          <a:noFill/>
-        </p:spPr>
-        <p:txBody>
-          <a:bodyPr wrap="none" rtlCol="0">
-            <a:spAutoFit/>
-          </a:bodyPr>
-          <a:lstStyle/>
-          <a:p>
-            <a:r>
-              <a:rPr lang="en-US" dirty="0"/>
-              <a:t>Find text in an article</a:t>
-            </a:r>
-          </a:p>
-        </p:txBody>
-      </p:sp>
-      <p:sp>
-        <p:nvSpPr>
-          <p:cNvPr id="10" name="TextBox 9">
-            <a:extLst>
-              <a:ext uri="{FF2B5EF4-FFF2-40B4-BE49-F238E27FC236}">
-                <a16:creationId xmlns:a16="http://schemas.microsoft.com/office/drawing/2014/main" id="{6921B137-4820-CCD8-4421-9B2039B18675}"/>
-              </a:ext>
-            </a:extLst>
-          </p:cNvPr>
-          <p:cNvSpPr txBox="1"/>
-          <p:nvPr/>
-        </p:nvSpPr>
-        <p:spPr>
-          <a:xfrm>
-            <a:off x="7137479" y="4882891"/>
-            <a:ext cx="2638864" cy="923330"/>
-          </a:xfrm>
-          <a:prstGeom prst="rect">
-            <a:avLst/>
-          </a:prstGeom>
-          <a:noFill/>
-        </p:spPr>
-        <p:txBody>
-          <a:bodyPr wrap="none" rtlCol="0">
-            <a:spAutoFit/>
-          </a:bodyPr>
-          <a:lstStyle/>
-          <a:p>
-            <a:r>
-              <a:rPr lang="en-US" dirty="0"/>
-              <a:t>Finding shortest path,</a:t>
-            </a:r>
-          </a:p>
-          <a:p>
-            <a:r>
-              <a:rPr lang="en-US" dirty="0"/>
-              <a:t>keyboard autocomplete,</a:t>
-            </a:r>
-          </a:p>
-          <a:p>
-            <a:r>
-              <a:rPr lang="en-US" dirty="0"/>
-              <a:t>solving puzzles, …</a:t>
+        </p:nvSpPr>
+        <p:spPr/>
+        <p:txBody>
+          <a:bodyPr/>
+          <a:lstStyle/>
+          <a:p>
+            <a:r>
+              <a:rPr lang="en-US" dirty="0">
+                <a:solidFill>
+                  <a:schemeClr val="bg2">
+                    <a:lumMod val="75000"/>
+                  </a:schemeClr>
+                </a:solidFill>
+              </a:rPr>
+              <a:t>Introductions &amp; Expectations</a:t>
+            </a:r>
+          </a:p>
+          <a:p>
+            <a:r>
+              <a:rPr lang="en-US" dirty="0"/>
+              <a:t>Linear Search (quickly)</a:t>
+            </a:r>
+          </a:p>
+          <a:p>
+            <a:r>
+              <a:rPr lang="en-US" dirty="0"/>
+              <a:t>Binary Search (the rest)</a:t>
+            </a:r>
+          </a:p>
+          <a:p>
+            <a:r>
+              <a:rPr lang="en-US" dirty="0"/>
+              <a:t>Exercises &amp; Reflections (async)</a:t>
             </a:r>
           </a:p>
         </p:txBody>
@@ -21517,7 +22407,7 @@
     </p:spTree>
     <p:extLst>
       <p:ext uri="{BB962C8B-B14F-4D97-AF65-F5344CB8AC3E}">
-        <p14:creationId xmlns:p14="http://schemas.microsoft.com/office/powerpoint/2010/main" val="1982268916"/>
+        <p14:creationId xmlns:p14="http://schemas.microsoft.com/office/powerpoint/2010/main" val="3615018704"/>
       </p:ext>
     </p:extLst>
   </p:cSld>
@@ -23301,14 +24191,14 @@
   <p:clrMapOvr>
     <a:masterClrMapping/>
   </p:clrMapOvr>
-  <mc:AlternateContent xmlns:mc="http://schemas.openxmlformats.org/markup-compatibility/2006" xmlns:p159="http://schemas.microsoft.com/office/powerpoint/2015/09/main">
-    <mc:Choice Requires="p159">
-      <p:transition xmlns:p14="http://schemas.microsoft.com/office/powerpoint/2010/main" spd="slow" p14:dur="2000">
+  <mc:AlternateContent xmlns:mc="http://schemas.openxmlformats.org/markup-compatibility/2006">
+    <mc:Choice xmlns:p159="http://schemas.microsoft.com/office/powerpoint/2015/09/main" Requires="p159">
+      <p:transition>
         <p159:morph option="byObject"/>
       </p:transition>
     </mc:Choice>
-    <mc:Fallback xmlns="">
-      <p:transition spd="slow">
+    <mc:Fallback>
+      <p:transition>
         <p:fade/>
       </p:transition>
     </mc:Fallback>
@@ -24304,14 +25194,14 @@
   <p:clrMapOvr>
     <a:masterClrMapping/>
   </p:clrMapOvr>
-  <mc:AlternateContent xmlns:mc="http://schemas.openxmlformats.org/markup-compatibility/2006" xmlns:p159="http://schemas.microsoft.com/office/powerpoint/2015/09/main">
-    <mc:Choice Requires="p159">
-      <p:transition xmlns:p14="http://schemas.microsoft.com/office/powerpoint/2010/main" spd="slow" p14:dur="2000">
+  <mc:AlternateContent xmlns:mc="http://schemas.openxmlformats.org/markup-compatibility/2006">
+    <mc:Choice xmlns:p159="http://schemas.microsoft.com/office/powerpoint/2015/09/main" Requires="p159">
+      <p:transition>
         <p159:morph option="byObject"/>
       </p:transition>
     </mc:Choice>
-    <mc:Fallback xmlns="">
-      <p:transition spd="slow">
+    <mc:Fallback>
+      <p:transition>
         <p:fade/>
       </p:transition>
     </mc:Fallback>
@@ -25362,14 +26252,14 @@
   <p:clrMapOvr>
     <a:masterClrMapping/>
   </p:clrMapOvr>
-  <mc:AlternateContent xmlns:mc="http://schemas.openxmlformats.org/markup-compatibility/2006" xmlns:p159="http://schemas.microsoft.com/office/powerpoint/2015/09/main">
-    <mc:Choice Requires="p159">
-      <p:transition xmlns:p14="http://schemas.microsoft.com/office/powerpoint/2010/main" spd="slow" p14:dur="2000">
+  <mc:AlternateContent xmlns:mc="http://schemas.openxmlformats.org/markup-compatibility/2006">
+    <mc:Choice xmlns:p159="http://schemas.microsoft.com/office/powerpoint/2015/09/main" Requires="p159">
+      <p:transition>
         <p159:morph option="byObject"/>
       </p:transition>
     </mc:Choice>
-    <mc:Fallback xmlns="">
-      <p:transition spd="slow">
+    <mc:Fallback>
+      <p:transition>
         <p:fade/>
       </p:transition>
     </mc:Fallback>
